--- a/Français/2.Preparing data/5. Pivot.pptx
+++ b/Français/2.Preparing data/5. Pivot.pptx
@@ -5,13 +5,19 @@
     <p:sldMasterId id="2147483648" r:id="rId1"/>
   </p:sldMasterIdLst>
   <p:notesMasterIdLst>
-    <p:notesMasterId r:id="rId6"/>
+    <p:notesMasterId r:id="rId12"/>
   </p:notesMasterIdLst>
   <p:sldIdLst>
     <p:sldId id="256" r:id="rId2"/>
     <p:sldId id="257" r:id="rId3"/>
-    <p:sldId id="259" r:id="rId4"/>
-    <p:sldId id="258" r:id="rId5"/>
+    <p:sldId id="261" r:id="rId4"/>
+    <p:sldId id="262" r:id="rId5"/>
+    <p:sldId id="263" r:id="rId6"/>
+    <p:sldId id="264" r:id="rId7"/>
+    <p:sldId id="265" r:id="rId8"/>
+    <p:sldId id="266" r:id="rId9"/>
+    <p:sldId id="267" r:id="rId10"/>
+    <p:sldId id="268" r:id="rId11"/>
   </p:sldIdLst>
   <p:sldSz cx="12192000" cy="6858000"/>
   <p:notesSz cx="6858000" cy="9144000"/>
@@ -200,7 +206,7 @@
           <a:p>
             <a:fld id="{056BA3B8-9F76-4D81-B71D-76CB85363062}" type="datetimeFigureOut">
               <a:rPr lang="en-US" smtClean="0"/>
-              <a:t>2/25/2025</a:t>
+              <a:t>3/4/2025</a:t>
             </a:fld>
             <a:endParaRPr lang="en-US"/>
           </a:p>
@@ -468,6 +474,678 @@
 </p:notesMaster>
 </file>
 
+<file path=ppt/notesSlides/notesSlide1.xml><?xml version="1.0" encoding="utf-8"?>
+<p:notes xmlns:a="http://schemas.openxmlformats.org/drawingml/2006/main" xmlns:r="http://schemas.openxmlformats.org/officeDocument/2006/relationships" xmlns:p="http://schemas.openxmlformats.org/presentationml/2006/main">
+  <p:cSld>
+    <p:spTree>
+      <p:nvGrpSpPr>
+        <p:cNvPr id="1" name=""/>
+        <p:cNvGrpSpPr/>
+        <p:nvPr/>
+      </p:nvGrpSpPr>
+      <p:grpSpPr>
+        <a:xfrm>
+          <a:off x="0" y="0"/>
+          <a:ext cx="0" cy="0"/>
+          <a:chOff x="0" y="0"/>
+          <a:chExt cx="0" cy="0"/>
+        </a:xfrm>
+      </p:grpSpPr>
+      <p:sp>
+        <p:nvSpPr>
+          <p:cNvPr id="2" name="Slide Image Placeholder 1"/>
+          <p:cNvSpPr>
+            <a:spLocks noGrp="1" noRot="1" noChangeAspect="1"/>
+          </p:cNvSpPr>
+          <p:nvPr>
+            <p:ph type="sldImg"/>
+          </p:nvPr>
+        </p:nvSpPr>
+        <p:spPr/>
+      </p:sp>
+      <p:sp>
+        <p:nvSpPr>
+          <p:cNvPr id="3" name="Notes Placeholder 2"/>
+          <p:cNvSpPr>
+            <a:spLocks noGrp="1"/>
+          </p:cNvSpPr>
+          <p:nvPr>
+            <p:ph type="body" idx="1"/>
+          </p:nvPr>
+        </p:nvSpPr>
+        <p:spPr/>
+        <p:txBody>
+          <a:bodyPr/>
+          <a:lstStyle/>
+          <a:p>
+            <a:endParaRPr lang="en-US" dirty="0"/>
+          </a:p>
+        </p:txBody>
+      </p:sp>
+      <p:sp>
+        <p:nvSpPr>
+          <p:cNvPr id="4" name="Slide Number Placeholder 3"/>
+          <p:cNvSpPr>
+            <a:spLocks noGrp="1"/>
+          </p:cNvSpPr>
+          <p:nvPr>
+            <p:ph type="sldNum" sz="quarter" idx="10"/>
+          </p:nvPr>
+        </p:nvSpPr>
+        <p:spPr/>
+        <p:txBody>
+          <a:bodyPr/>
+          <a:lstStyle/>
+          <a:p>
+            <a:fld id="{C583D03D-12F8-4E91-BBC2-CE3A863157FF}" type="slidenum">
+              <a:rPr lang="en-US" smtClean="0"/>
+              <a:t>3</a:t>
+            </a:fld>
+            <a:endParaRPr lang="en-US"/>
+          </a:p>
+        </p:txBody>
+      </p:sp>
+    </p:spTree>
+    <p:extLst>
+      <p:ext uri="{BB962C8B-B14F-4D97-AF65-F5344CB8AC3E}">
+        <p14:creationId xmlns:p14="http://schemas.microsoft.com/office/powerpoint/2010/main" val="2161883971"/>
+      </p:ext>
+    </p:extLst>
+  </p:cSld>
+  <p:clrMapOvr>
+    <a:masterClrMapping/>
+  </p:clrMapOvr>
+</p:notes>
+</file>
+
+<file path=ppt/notesSlides/notesSlide2.xml><?xml version="1.0" encoding="utf-8"?>
+<p:notes xmlns:a="http://schemas.openxmlformats.org/drawingml/2006/main" xmlns:r="http://schemas.openxmlformats.org/officeDocument/2006/relationships" xmlns:p="http://schemas.openxmlformats.org/presentationml/2006/main">
+  <p:cSld>
+    <p:spTree>
+      <p:nvGrpSpPr>
+        <p:cNvPr id="1" name=""/>
+        <p:cNvGrpSpPr/>
+        <p:nvPr/>
+      </p:nvGrpSpPr>
+      <p:grpSpPr>
+        <a:xfrm>
+          <a:off x="0" y="0"/>
+          <a:ext cx="0" cy="0"/>
+          <a:chOff x="0" y="0"/>
+          <a:chExt cx="0" cy="0"/>
+        </a:xfrm>
+      </p:grpSpPr>
+      <p:sp>
+        <p:nvSpPr>
+          <p:cNvPr id="2" name="Slide Image Placeholder 1"/>
+          <p:cNvSpPr>
+            <a:spLocks noGrp="1" noRot="1" noChangeAspect="1"/>
+          </p:cNvSpPr>
+          <p:nvPr>
+            <p:ph type="sldImg"/>
+          </p:nvPr>
+        </p:nvSpPr>
+        <p:spPr/>
+      </p:sp>
+      <p:sp>
+        <p:nvSpPr>
+          <p:cNvPr id="3" name="Notes Placeholder 2"/>
+          <p:cNvSpPr>
+            <a:spLocks noGrp="1"/>
+          </p:cNvSpPr>
+          <p:nvPr>
+            <p:ph type="body" idx="1"/>
+          </p:nvPr>
+        </p:nvSpPr>
+        <p:spPr/>
+        <p:txBody>
+          <a:bodyPr/>
+          <a:lstStyle/>
+          <a:p>
+            <a:endParaRPr lang="en-US" dirty="0"/>
+          </a:p>
+        </p:txBody>
+      </p:sp>
+      <p:sp>
+        <p:nvSpPr>
+          <p:cNvPr id="4" name="Slide Number Placeholder 3"/>
+          <p:cNvSpPr>
+            <a:spLocks noGrp="1"/>
+          </p:cNvSpPr>
+          <p:nvPr>
+            <p:ph type="sldNum" sz="quarter" idx="10"/>
+          </p:nvPr>
+        </p:nvSpPr>
+        <p:spPr/>
+        <p:txBody>
+          <a:bodyPr/>
+          <a:lstStyle/>
+          <a:p>
+            <a:fld id="{C583D03D-12F8-4E91-BBC2-CE3A863157FF}" type="slidenum">
+              <a:rPr lang="en-US" smtClean="0"/>
+              <a:t>4</a:t>
+            </a:fld>
+            <a:endParaRPr lang="en-US"/>
+          </a:p>
+        </p:txBody>
+      </p:sp>
+    </p:spTree>
+    <p:extLst>
+      <p:ext uri="{BB962C8B-B14F-4D97-AF65-F5344CB8AC3E}">
+        <p14:creationId xmlns:p14="http://schemas.microsoft.com/office/powerpoint/2010/main" val="2631405298"/>
+      </p:ext>
+    </p:extLst>
+  </p:cSld>
+  <p:clrMapOvr>
+    <a:masterClrMapping/>
+  </p:clrMapOvr>
+</p:notes>
+</file>
+
+<file path=ppt/notesSlides/notesSlide3.xml><?xml version="1.0" encoding="utf-8"?>
+<p:notes xmlns:a="http://schemas.openxmlformats.org/drawingml/2006/main" xmlns:r="http://schemas.openxmlformats.org/officeDocument/2006/relationships" xmlns:p="http://schemas.openxmlformats.org/presentationml/2006/main">
+  <p:cSld>
+    <p:spTree>
+      <p:nvGrpSpPr>
+        <p:cNvPr id="1" name=""/>
+        <p:cNvGrpSpPr/>
+        <p:nvPr/>
+      </p:nvGrpSpPr>
+      <p:grpSpPr>
+        <a:xfrm>
+          <a:off x="0" y="0"/>
+          <a:ext cx="0" cy="0"/>
+          <a:chOff x="0" y="0"/>
+          <a:chExt cx="0" cy="0"/>
+        </a:xfrm>
+      </p:grpSpPr>
+      <p:sp>
+        <p:nvSpPr>
+          <p:cNvPr id="2" name="Slide Image Placeholder 1"/>
+          <p:cNvSpPr>
+            <a:spLocks noGrp="1" noRot="1" noChangeAspect="1"/>
+          </p:cNvSpPr>
+          <p:nvPr>
+            <p:ph type="sldImg"/>
+          </p:nvPr>
+        </p:nvSpPr>
+        <p:spPr/>
+      </p:sp>
+      <p:sp>
+        <p:nvSpPr>
+          <p:cNvPr id="3" name="Notes Placeholder 2"/>
+          <p:cNvSpPr>
+            <a:spLocks noGrp="1"/>
+          </p:cNvSpPr>
+          <p:nvPr>
+            <p:ph type="body" idx="1"/>
+          </p:nvPr>
+        </p:nvSpPr>
+        <p:spPr/>
+        <p:txBody>
+          <a:bodyPr/>
+          <a:lstStyle/>
+          <a:p>
+            <a:endParaRPr lang="en-US" dirty="0"/>
+          </a:p>
+        </p:txBody>
+      </p:sp>
+      <p:sp>
+        <p:nvSpPr>
+          <p:cNvPr id="4" name="Slide Number Placeholder 3"/>
+          <p:cNvSpPr>
+            <a:spLocks noGrp="1"/>
+          </p:cNvSpPr>
+          <p:nvPr>
+            <p:ph type="sldNum" sz="quarter" idx="10"/>
+          </p:nvPr>
+        </p:nvSpPr>
+        <p:spPr/>
+        <p:txBody>
+          <a:bodyPr/>
+          <a:lstStyle/>
+          <a:p>
+            <a:fld id="{C583D03D-12F8-4E91-BBC2-CE3A863157FF}" type="slidenum">
+              <a:rPr lang="en-US" smtClean="0"/>
+              <a:t>5</a:t>
+            </a:fld>
+            <a:endParaRPr lang="en-US"/>
+          </a:p>
+        </p:txBody>
+      </p:sp>
+    </p:spTree>
+    <p:extLst>
+      <p:ext uri="{BB962C8B-B14F-4D97-AF65-F5344CB8AC3E}">
+        <p14:creationId xmlns:p14="http://schemas.microsoft.com/office/powerpoint/2010/main" val="2418297658"/>
+      </p:ext>
+    </p:extLst>
+  </p:cSld>
+  <p:clrMapOvr>
+    <a:masterClrMapping/>
+  </p:clrMapOvr>
+</p:notes>
+</file>
+
+<file path=ppt/notesSlides/notesSlide4.xml><?xml version="1.0" encoding="utf-8"?>
+<p:notes xmlns:a="http://schemas.openxmlformats.org/drawingml/2006/main" xmlns:r="http://schemas.openxmlformats.org/officeDocument/2006/relationships" xmlns:p="http://schemas.openxmlformats.org/presentationml/2006/main">
+  <p:cSld>
+    <p:spTree>
+      <p:nvGrpSpPr>
+        <p:cNvPr id="1" name=""/>
+        <p:cNvGrpSpPr/>
+        <p:nvPr/>
+      </p:nvGrpSpPr>
+      <p:grpSpPr>
+        <a:xfrm>
+          <a:off x="0" y="0"/>
+          <a:ext cx="0" cy="0"/>
+          <a:chOff x="0" y="0"/>
+          <a:chExt cx="0" cy="0"/>
+        </a:xfrm>
+      </p:grpSpPr>
+      <p:sp>
+        <p:nvSpPr>
+          <p:cNvPr id="2" name="Slide Image Placeholder 1"/>
+          <p:cNvSpPr>
+            <a:spLocks noGrp="1" noRot="1" noChangeAspect="1"/>
+          </p:cNvSpPr>
+          <p:nvPr>
+            <p:ph type="sldImg"/>
+          </p:nvPr>
+        </p:nvSpPr>
+        <p:spPr/>
+      </p:sp>
+      <p:sp>
+        <p:nvSpPr>
+          <p:cNvPr id="3" name="Notes Placeholder 2"/>
+          <p:cNvSpPr>
+            <a:spLocks noGrp="1"/>
+          </p:cNvSpPr>
+          <p:nvPr>
+            <p:ph type="body" idx="1"/>
+          </p:nvPr>
+        </p:nvSpPr>
+        <p:spPr/>
+        <p:txBody>
+          <a:bodyPr/>
+          <a:lstStyle/>
+          <a:p>
+            <a:endParaRPr lang="en-US" dirty="0"/>
+          </a:p>
+        </p:txBody>
+      </p:sp>
+      <p:sp>
+        <p:nvSpPr>
+          <p:cNvPr id="4" name="Slide Number Placeholder 3"/>
+          <p:cNvSpPr>
+            <a:spLocks noGrp="1"/>
+          </p:cNvSpPr>
+          <p:nvPr>
+            <p:ph type="sldNum" sz="quarter" idx="10"/>
+          </p:nvPr>
+        </p:nvSpPr>
+        <p:spPr/>
+        <p:txBody>
+          <a:bodyPr/>
+          <a:lstStyle/>
+          <a:p>
+            <a:fld id="{C583D03D-12F8-4E91-BBC2-CE3A863157FF}" type="slidenum">
+              <a:rPr lang="en-US" smtClean="0"/>
+              <a:t>6</a:t>
+            </a:fld>
+            <a:endParaRPr lang="en-US"/>
+          </a:p>
+        </p:txBody>
+      </p:sp>
+    </p:spTree>
+    <p:extLst>
+      <p:ext uri="{BB962C8B-B14F-4D97-AF65-F5344CB8AC3E}">
+        <p14:creationId xmlns:p14="http://schemas.microsoft.com/office/powerpoint/2010/main" val="3295718795"/>
+      </p:ext>
+    </p:extLst>
+  </p:cSld>
+  <p:clrMapOvr>
+    <a:masterClrMapping/>
+  </p:clrMapOvr>
+</p:notes>
+</file>
+
+<file path=ppt/notesSlides/notesSlide5.xml><?xml version="1.0" encoding="utf-8"?>
+<p:notes xmlns:a="http://schemas.openxmlformats.org/drawingml/2006/main" xmlns:r="http://schemas.openxmlformats.org/officeDocument/2006/relationships" xmlns:p="http://schemas.openxmlformats.org/presentationml/2006/main">
+  <p:cSld>
+    <p:spTree>
+      <p:nvGrpSpPr>
+        <p:cNvPr id="1" name=""/>
+        <p:cNvGrpSpPr/>
+        <p:nvPr/>
+      </p:nvGrpSpPr>
+      <p:grpSpPr>
+        <a:xfrm>
+          <a:off x="0" y="0"/>
+          <a:ext cx="0" cy="0"/>
+          <a:chOff x="0" y="0"/>
+          <a:chExt cx="0" cy="0"/>
+        </a:xfrm>
+      </p:grpSpPr>
+      <p:sp>
+        <p:nvSpPr>
+          <p:cNvPr id="2" name="Slide Image Placeholder 1"/>
+          <p:cNvSpPr>
+            <a:spLocks noGrp="1" noRot="1" noChangeAspect="1"/>
+          </p:cNvSpPr>
+          <p:nvPr>
+            <p:ph type="sldImg"/>
+          </p:nvPr>
+        </p:nvSpPr>
+        <p:spPr/>
+      </p:sp>
+      <p:sp>
+        <p:nvSpPr>
+          <p:cNvPr id="3" name="Notes Placeholder 2"/>
+          <p:cNvSpPr>
+            <a:spLocks noGrp="1"/>
+          </p:cNvSpPr>
+          <p:nvPr>
+            <p:ph type="body" idx="1"/>
+          </p:nvPr>
+        </p:nvSpPr>
+        <p:spPr/>
+        <p:txBody>
+          <a:bodyPr/>
+          <a:lstStyle/>
+          <a:p>
+            <a:endParaRPr lang="en-US" dirty="0"/>
+          </a:p>
+        </p:txBody>
+      </p:sp>
+      <p:sp>
+        <p:nvSpPr>
+          <p:cNvPr id="4" name="Slide Number Placeholder 3"/>
+          <p:cNvSpPr>
+            <a:spLocks noGrp="1"/>
+          </p:cNvSpPr>
+          <p:nvPr>
+            <p:ph type="sldNum" sz="quarter" idx="10"/>
+          </p:nvPr>
+        </p:nvSpPr>
+        <p:spPr/>
+        <p:txBody>
+          <a:bodyPr/>
+          <a:lstStyle/>
+          <a:p>
+            <a:fld id="{C583D03D-12F8-4E91-BBC2-CE3A863157FF}" type="slidenum">
+              <a:rPr lang="en-US" smtClean="0"/>
+              <a:t>7</a:t>
+            </a:fld>
+            <a:endParaRPr lang="en-US"/>
+          </a:p>
+        </p:txBody>
+      </p:sp>
+    </p:spTree>
+    <p:extLst>
+      <p:ext uri="{BB962C8B-B14F-4D97-AF65-F5344CB8AC3E}">
+        <p14:creationId xmlns:p14="http://schemas.microsoft.com/office/powerpoint/2010/main" val="2402098655"/>
+      </p:ext>
+    </p:extLst>
+  </p:cSld>
+  <p:clrMapOvr>
+    <a:masterClrMapping/>
+  </p:clrMapOvr>
+</p:notes>
+</file>
+
+<file path=ppt/notesSlides/notesSlide6.xml><?xml version="1.0" encoding="utf-8"?>
+<p:notes xmlns:a="http://schemas.openxmlformats.org/drawingml/2006/main" xmlns:r="http://schemas.openxmlformats.org/officeDocument/2006/relationships" xmlns:p="http://schemas.openxmlformats.org/presentationml/2006/main">
+  <p:cSld>
+    <p:spTree>
+      <p:nvGrpSpPr>
+        <p:cNvPr id="1" name=""/>
+        <p:cNvGrpSpPr/>
+        <p:nvPr/>
+      </p:nvGrpSpPr>
+      <p:grpSpPr>
+        <a:xfrm>
+          <a:off x="0" y="0"/>
+          <a:ext cx="0" cy="0"/>
+          <a:chOff x="0" y="0"/>
+          <a:chExt cx="0" cy="0"/>
+        </a:xfrm>
+      </p:grpSpPr>
+      <p:sp>
+        <p:nvSpPr>
+          <p:cNvPr id="2" name="Slide Image Placeholder 1"/>
+          <p:cNvSpPr>
+            <a:spLocks noGrp="1" noRot="1" noChangeAspect="1"/>
+          </p:cNvSpPr>
+          <p:nvPr>
+            <p:ph type="sldImg"/>
+          </p:nvPr>
+        </p:nvSpPr>
+        <p:spPr/>
+      </p:sp>
+      <p:sp>
+        <p:nvSpPr>
+          <p:cNvPr id="3" name="Notes Placeholder 2"/>
+          <p:cNvSpPr>
+            <a:spLocks noGrp="1"/>
+          </p:cNvSpPr>
+          <p:nvPr>
+            <p:ph type="body" idx="1"/>
+          </p:nvPr>
+        </p:nvSpPr>
+        <p:spPr/>
+        <p:txBody>
+          <a:bodyPr/>
+          <a:lstStyle/>
+          <a:p>
+            <a:endParaRPr lang="en-US" dirty="0"/>
+          </a:p>
+        </p:txBody>
+      </p:sp>
+      <p:sp>
+        <p:nvSpPr>
+          <p:cNvPr id="4" name="Slide Number Placeholder 3"/>
+          <p:cNvSpPr>
+            <a:spLocks noGrp="1"/>
+          </p:cNvSpPr>
+          <p:nvPr>
+            <p:ph type="sldNum" sz="quarter" idx="10"/>
+          </p:nvPr>
+        </p:nvSpPr>
+        <p:spPr/>
+        <p:txBody>
+          <a:bodyPr/>
+          <a:lstStyle/>
+          <a:p>
+            <a:fld id="{C583D03D-12F8-4E91-BBC2-CE3A863157FF}" type="slidenum">
+              <a:rPr lang="en-US" smtClean="0"/>
+              <a:t>8</a:t>
+            </a:fld>
+            <a:endParaRPr lang="en-US"/>
+          </a:p>
+        </p:txBody>
+      </p:sp>
+    </p:spTree>
+    <p:extLst>
+      <p:ext uri="{BB962C8B-B14F-4D97-AF65-F5344CB8AC3E}">
+        <p14:creationId xmlns:p14="http://schemas.microsoft.com/office/powerpoint/2010/main" val="1203288025"/>
+      </p:ext>
+    </p:extLst>
+  </p:cSld>
+  <p:clrMapOvr>
+    <a:masterClrMapping/>
+  </p:clrMapOvr>
+</p:notes>
+</file>
+
+<file path=ppt/notesSlides/notesSlide7.xml><?xml version="1.0" encoding="utf-8"?>
+<p:notes xmlns:a="http://schemas.openxmlformats.org/drawingml/2006/main" xmlns:r="http://schemas.openxmlformats.org/officeDocument/2006/relationships" xmlns:p="http://schemas.openxmlformats.org/presentationml/2006/main">
+  <p:cSld>
+    <p:spTree>
+      <p:nvGrpSpPr>
+        <p:cNvPr id="1" name=""/>
+        <p:cNvGrpSpPr/>
+        <p:nvPr/>
+      </p:nvGrpSpPr>
+      <p:grpSpPr>
+        <a:xfrm>
+          <a:off x="0" y="0"/>
+          <a:ext cx="0" cy="0"/>
+          <a:chOff x="0" y="0"/>
+          <a:chExt cx="0" cy="0"/>
+        </a:xfrm>
+      </p:grpSpPr>
+      <p:sp>
+        <p:nvSpPr>
+          <p:cNvPr id="2" name="Slide Image Placeholder 1"/>
+          <p:cNvSpPr>
+            <a:spLocks noGrp="1" noRot="1" noChangeAspect="1"/>
+          </p:cNvSpPr>
+          <p:nvPr>
+            <p:ph type="sldImg"/>
+          </p:nvPr>
+        </p:nvSpPr>
+        <p:spPr/>
+      </p:sp>
+      <p:sp>
+        <p:nvSpPr>
+          <p:cNvPr id="3" name="Notes Placeholder 2"/>
+          <p:cNvSpPr>
+            <a:spLocks noGrp="1"/>
+          </p:cNvSpPr>
+          <p:nvPr>
+            <p:ph type="body" idx="1"/>
+          </p:nvPr>
+        </p:nvSpPr>
+        <p:spPr/>
+        <p:txBody>
+          <a:bodyPr/>
+          <a:lstStyle/>
+          <a:p>
+            <a:endParaRPr lang="en-US" dirty="0"/>
+          </a:p>
+        </p:txBody>
+      </p:sp>
+      <p:sp>
+        <p:nvSpPr>
+          <p:cNvPr id="4" name="Slide Number Placeholder 3"/>
+          <p:cNvSpPr>
+            <a:spLocks noGrp="1"/>
+          </p:cNvSpPr>
+          <p:nvPr>
+            <p:ph type="sldNum" sz="quarter" idx="10"/>
+          </p:nvPr>
+        </p:nvSpPr>
+        <p:spPr/>
+        <p:txBody>
+          <a:bodyPr/>
+          <a:lstStyle/>
+          <a:p>
+            <a:fld id="{C583D03D-12F8-4E91-BBC2-CE3A863157FF}" type="slidenum">
+              <a:rPr lang="en-US" smtClean="0"/>
+              <a:t>9</a:t>
+            </a:fld>
+            <a:endParaRPr lang="en-US"/>
+          </a:p>
+        </p:txBody>
+      </p:sp>
+    </p:spTree>
+    <p:extLst>
+      <p:ext uri="{BB962C8B-B14F-4D97-AF65-F5344CB8AC3E}">
+        <p14:creationId xmlns:p14="http://schemas.microsoft.com/office/powerpoint/2010/main" val="3876058247"/>
+      </p:ext>
+    </p:extLst>
+  </p:cSld>
+  <p:clrMapOvr>
+    <a:masterClrMapping/>
+  </p:clrMapOvr>
+</p:notes>
+</file>
+
+<file path=ppt/notesSlides/notesSlide8.xml><?xml version="1.0" encoding="utf-8"?>
+<p:notes xmlns:a="http://schemas.openxmlformats.org/drawingml/2006/main" xmlns:r="http://schemas.openxmlformats.org/officeDocument/2006/relationships" xmlns:p="http://schemas.openxmlformats.org/presentationml/2006/main">
+  <p:cSld>
+    <p:spTree>
+      <p:nvGrpSpPr>
+        <p:cNvPr id="1" name=""/>
+        <p:cNvGrpSpPr/>
+        <p:nvPr/>
+      </p:nvGrpSpPr>
+      <p:grpSpPr>
+        <a:xfrm>
+          <a:off x="0" y="0"/>
+          <a:ext cx="0" cy="0"/>
+          <a:chOff x="0" y="0"/>
+          <a:chExt cx="0" cy="0"/>
+        </a:xfrm>
+      </p:grpSpPr>
+      <p:sp>
+        <p:nvSpPr>
+          <p:cNvPr id="2" name="Slide Image Placeholder 1"/>
+          <p:cNvSpPr>
+            <a:spLocks noGrp="1" noRot="1" noChangeAspect="1"/>
+          </p:cNvSpPr>
+          <p:nvPr>
+            <p:ph type="sldImg"/>
+          </p:nvPr>
+        </p:nvSpPr>
+        <p:spPr/>
+      </p:sp>
+      <p:sp>
+        <p:nvSpPr>
+          <p:cNvPr id="3" name="Notes Placeholder 2"/>
+          <p:cNvSpPr>
+            <a:spLocks noGrp="1"/>
+          </p:cNvSpPr>
+          <p:nvPr>
+            <p:ph type="body" idx="1"/>
+          </p:nvPr>
+        </p:nvSpPr>
+        <p:spPr/>
+        <p:txBody>
+          <a:bodyPr/>
+          <a:lstStyle/>
+          <a:p>
+            <a:endParaRPr lang="en-US" dirty="0"/>
+          </a:p>
+        </p:txBody>
+      </p:sp>
+      <p:sp>
+        <p:nvSpPr>
+          <p:cNvPr id="4" name="Slide Number Placeholder 3"/>
+          <p:cNvSpPr>
+            <a:spLocks noGrp="1"/>
+          </p:cNvSpPr>
+          <p:nvPr>
+            <p:ph type="sldNum" sz="quarter" idx="10"/>
+          </p:nvPr>
+        </p:nvSpPr>
+        <p:spPr/>
+        <p:txBody>
+          <a:bodyPr/>
+          <a:lstStyle/>
+          <a:p>
+            <a:fld id="{C583D03D-12F8-4E91-BBC2-CE3A863157FF}" type="slidenum">
+              <a:rPr lang="en-US" smtClean="0"/>
+              <a:t>10</a:t>
+            </a:fld>
+            <a:endParaRPr lang="en-US"/>
+          </a:p>
+        </p:txBody>
+      </p:sp>
+    </p:spTree>
+    <p:extLst>
+      <p:ext uri="{BB962C8B-B14F-4D97-AF65-F5344CB8AC3E}">
+        <p14:creationId xmlns:p14="http://schemas.microsoft.com/office/powerpoint/2010/main" val="2819937227"/>
+      </p:ext>
+    </p:extLst>
+  </p:cSld>
+  <p:clrMapOvr>
+    <a:masterClrMapping/>
+  </p:clrMapOvr>
+</p:notes>
+</file>
+
 <file path=ppt/slideLayouts/slideLayout1.xml><?xml version="1.0" encoding="utf-8"?>
 <p:sldLayout xmlns:a="http://schemas.openxmlformats.org/drawingml/2006/main" xmlns:r="http://schemas.openxmlformats.org/officeDocument/2006/relationships" xmlns:p="http://schemas.openxmlformats.org/presentationml/2006/main" type="title" preserve="1">
   <p:cSld name="Title Slide">
@@ -599,7 +1277,7 @@
           <a:p>
             <a:fld id="{6F01DA4D-20EA-48D2-973C-0311EC3005D6}" type="datetimeFigureOut">
               <a:rPr lang="en-US" smtClean="0"/>
-              <a:t>2/25/2025</a:t>
+              <a:t>3/4/2025</a:t>
             </a:fld>
             <a:endParaRPr lang="en-US"/>
           </a:p>
@@ -769,7 +1447,7 @@
           <a:p>
             <a:fld id="{6F01DA4D-20EA-48D2-973C-0311EC3005D6}" type="datetimeFigureOut">
               <a:rPr lang="en-US" smtClean="0"/>
-              <a:t>2/25/2025</a:t>
+              <a:t>3/4/2025</a:t>
             </a:fld>
             <a:endParaRPr lang="en-US"/>
           </a:p>
@@ -949,7 +1627,7 @@
           <a:p>
             <a:fld id="{6F01DA4D-20EA-48D2-973C-0311EC3005D6}" type="datetimeFigureOut">
               <a:rPr lang="en-US" smtClean="0"/>
-              <a:t>2/25/2025</a:t>
+              <a:t>3/4/2025</a:t>
             </a:fld>
             <a:endParaRPr lang="en-US"/>
           </a:p>
@@ -1119,7 +1797,7 @@
           <a:p>
             <a:fld id="{6F01DA4D-20EA-48D2-973C-0311EC3005D6}" type="datetimeFigureOut">
               <a:rPr lang="en-US" smtClean="0"/>
-              <a:t>2/25/2025</a:t>
+              <a:t>3/4/2025</a:t>
             </a:fld>
             <a:endParaRPr lang="en-US"/>
           </a:p>
@@ -1365,7 +2043,7 @@
           <a:p>
             <a:fld id="{6F01DA4D-20EA-48D2-973C-0311EC3005D6}" type="datetimeFigureOut">
               <a:rPr lang="en-US" smtClean="0"/>
-              <a:t>2/25/2025</a:t>
+              <a:t>3/4/2025</a:t>
             </a:fld>
             <a:endParaRPr lang="en-US"/>
           </a:p>
@@ -1597,7 +2275,7 @@
           <a:p>
             <a:fld id="{6F01DA4D-20EA-48D2-973C-0311EC3005D6}" type="datetimeFigureOut">
               <a:rPr lang="en-US" smtClean="0"/>
-              <a:t>2/25/2025</a:t>
+              <a:t>3/4/2025</a:t>
             </a:fld>
             <a:endParaRPr lang="en-US"/>
           </a:p>
@@ -1964,7 +2642,7 @@
           <a:p>
             <a:fld id="{6F01DA4D-20EA-48D2-973C-0311EC3005D6}" type="datetimeFigureOut">
               <a:rPr lang="en-US" smtClean="0"/>
-              <a:t>2/25/2025</a:t>
+              <a:t>3/4/2025</a:t>
             </a:fld>
             <a:endParaRPr lang="en-US"/>
           </a:p>
@@ -2082,7 +2760,7 @@
           <a:p>
             <a:fld id="{6F01DA4D-20EA-48D2-973C-0311EC3005D6}" type="datetimeFigureOut">
               <a:rPr lang="en-US" smtClean="0"/>
-              <a:t>2/25/2025</a:t>
+              <a:t>3/4/2025</a:t>
             </a:fld>
             <a:endParaRPr lang="en-US"/>
           </a:p>
@@ -2177,7 +2855,7 @@
           <a:p>
             <a:fld id="{6F01DA4D-20EA-48D2-973C-0311EC3005D6}" type="datetimeFigureOut">
               <a:rPr lang="en-US" smtClean="0"/>
-              <a:t>2/25/2025</a:t>
+              <a:t>3/4/2025</a:t>
             </a:fld>
             <a:endParaRPr lang="en-US"/>
           </a:p>
@@ -2454,7 +3132,7 @@
           <a:p>
             <a:fld id="{6F01DA4D-20EA-48D2-973C-0311EC3005D6}" type="datetimeFigureOut">
               <a:rPr lang="en-US" smtClean="0"/>
-              <a:t>2/25/2025</a:t>
+              <a:t>3/4/2025</a:t>
             </a:fld>
             <a:endParaRPr lang="en-US"/>
           </a:p>
@@ -2707,7 +3385,7 @@
           <a:p>
             <a:fld id="{6F01DA4D-20EA-48D2-973C-0311EC3005D6}" type="datetimeFigureOut">
               <a:rPr lang="en-US" smtClean="0"/>
-              <a:t>2/25/2025</a:t>
+              <a:t>3/4/2025</a:t>
             </a:fld>
             <a:endParaRPr lang="en-US"/>
           </a:p>
@@ -2920,7 +3598,7 @@
           <a:p>
             <a:fld id="{6F01DA4D-20EA-48D2-973C-0311EC3005D6}" type="datetimeFigureOut">
               <a:rPr lang="en-US" smtClean="0"/>
-              <a:t>2/25/2025</a:t>
+              <a:t>3/4/2025</a:t>
             </a:fld>
             <a:endParaRPr lang="en-US"/>
           </a:p>
@@ -3434,6 +4112,136 @@
 </p:sld>
 </file>
 
+<file path=ppt/slides/slide10.xml><?xml version="1.0" encoding="utf-8"?>
+<p:sld xmlns:a="http://schemas.openxmlformats.org/drawingml/2006/main" xmlns:r="http://schemas.openxmlformats.org/officeDocument/2006/relationships" xmlns:p="http://schemas.openxmlformats.org/presentationml/2006/main">
+  <p:cSld>
+    <p:spTree>
+      <p:nvGrpSpPr>
+        <p:cNvPr id="1" name=""/>
+        <p:cNvGrpSpPr/>
+        <p:nvPr/>
+      </p:nvGrpSpPr>
+      <p:grpSpPr>
+        <a:xfrm>
+          <a:off x="0" y="0"/>
+          <a:ext cx="0" cy="0"/>
+          <a:chOff x="0" y="0"/>
+          <a:chExt cx="0" cy="0"/>
+        </a:xfrm>
+      </p:grpSpPr>
+      <p:sp>
+        <p:nvSpPr>
+          <p:cNvPr id="2" name="TextBox 1"/>
+          <p:cNvSpPr txBox="1"/>
+          <p:nvPr/>
+        </p:nvSpPr>
+        <p:spPr>
+          <a:xfrm>
+            <a:off x="371259" y="268133"/>
+            <a:ext cx="920317" cy="523220"/>
+          </a:xfrm>
+          <a:prstGeom prst="rect">
+            <a:avLst/>
+          </a:prstGeom>
+          <a:noFill/>
+        </p:spPr>
+        <p:txBody>
+          <a:bodyPr wrap="none" rtlCol="0">
+            <a:spAutoFit/>
+          </a:bodyPr>
+          <a:lstStyle/>
+          <a:p>
+            <a:r>
+              <a:rPr lang="fr-FR" sz="2800" dirty="0" smtClean="0"/>
+              <a:t>Pivot</a:t>
+            </a:r>
+            <a:endParaRPr lang="en-US" sz="2800" dirty="0"/>
+          </a:p>
+        </p:txBody>
+      </p:sp>
+      <p:sp>
+        <p:nvSpPr>
+          <p:cNvPr id="4" name="Rectangle 3"/>
+          <p:cNvSpPr/>
+          <p:nvPr/>
+        </p:nvSpPr>
+        <p:spPr>
+          <a:xfrm>
+            <a:off x="371259" y="865785"/>
+            <a:ext cx="11144681" cy="366895"/>
+          </a:xfrm>
+          <a:prstGeom prst="rect">
+            <a:avLst/>
+          </a:prstGeom>
+        </p:spPr>
+        <p:txBody>
+          <a:bodyPr wrap="square">
+            <a:spAutoFit/>
+          </a:bodyPr>
+          <a:lstStyle/>
+          <a:p>
+            <a:pPr lvl="0">
+              <a:lnSpc>
+                <a:spcPct val="107000"/>
+              </a:lnSpc>
+              <a:spcAft>
+                <a:spcPts val="800"/>
+              </a:spcAft>
+            </a:pPr>
+            <a:r>
+              <a:rPr lang="fr-FR" dirty="0" smtClean="0">
+                <a:latin typeface="Segoe UI" panose="020B0502040204020203" pitchFamily="34" charset="0"/>
+                <a:ea typeface="Calibri" panose="020F0502020204030204" pitchFamily="34" charset="0"/>
+                <a:cs typeface="Segoe UI" panose="020B0502040204020203" pitchFamily="34" charset="0"/>
+              </a:rPr>
+              <a:t>Vérifiez le résultat de Pivot </a:t>
+            </a:r>
+            <a:endParaRPr lang="en-US" b="1" dirty="0">
+              <a:effectLst/>
+              <a:latin typeface="Segoe UI" panose="020B0502040204020203" pitchFamily="34" charset="0"/>
+              <a:ea typeface="Calibri" panose="020F0502020204030204" pitchFamily="34" charset="0"/>
+              <a:cs typeface="Segoe UI" panose="020B0502040204020203" pitchFamily="34" charset="0"/>
+            </a:endParaRPr>
+          </a:p>
+        </p:txBody>
+      </p:sp>
+      <p:pic>
+        <p:nvPicPr>
+          <p:cNvPr id="3" name="Picture 2"/>
+          <p:cNvPicPr>
+            <a:picLocks noChangeAspect="1"/>
+          </p:cNvPicPr>
+          <p:nvPr/>
+        </p:nvPicPr>
+        <p:blipFill>
+          <a:blip r:embed="rId3"/>
+          <a:stretch>
+            <a:fillRect/>
+          </a:stretch>
+        </p:blipFill>
+        <p:spPr>
+          <a:xfrm>
+            <a:off x="487225" y="1401948"/>
+            <a:ext cx="9759874" cy="1568133"/>
+          </a:xfrm>
+          <a:prstGeom prst="rect">
+            <a:avLst/>
+          </a:prstGeom>
+        </p:spPr>
+      </p:pic>
+    </p:spTree>
+    <p:extLst>
+      <p:ext uri="{BB962C8B-B14F-4D97-AF65-F5344CB8AC3E}">
+        <p14:creationId xmlns:p14="http://schemas.microsoft.com/office/powerpoint/2010/main" val="777067441"/>
+      </p:ext>
+    </p:extLst>
+  </p:cSld>
+  <p:clrMapOvr>
+    <a:masterClrMapping/>
+  </p:clrMapOvr>
+</p:sld>
+</file>
+
 <file path=ppt/slides/slide2.xml><?xml version="1.0" encoding="utf-8"?>
 <p:sld xmlns:a="http://schemas.openxmlformats.org/drawingml/2006/main" xmlns:r="http://schemas.openxmlformats.org/officeDocument/2006/relationships" xmlns:p="http://schemas.openxmlformats.org/presentationml/2006/main">
   <p:cSld>
@@ -3489,8 +4297,8 @@
         </p:nvSpPr>
         <p:spPr>
           <a:xfrm>
-            <a:off x="371259" y="1422675"/>
-            <a:ext cx="7390828" cy="373692"/>
+            <a:off x="371258" y="1422675"/>
+            <a:ext cx="9553555" cy="373692"/>
           </a:xfrm>
           <a:prstGeom prst="rect">
             <a:avLst/>
@@ -3511,12 +4319,52 @@
               </a:spcAft>
             </a:pPr>
             <a:r>
+              <a:rPr lang="en-US" dirty="0" err="1" smtClean="0">
+                <a:latin typeface="Segoe UI" panose="020B0502040204020203" pitchFamily="34" charset="0"/>
+                <a:ea typeface="Calibri" panose="020F0502020204030204" pitchFamily="34" charset="0"/>
+                <a:cs typeface="Times New Roman" panose="02020603050405020304" pitchFamily="18" charset="0"/>
+              </a:rPr>
+              <a:t>Chargez</a:t>
+            </a:r>
+            <a:r>
               <a:rPr lang="en-US" dirty="0" smtClean="0">
                 <a:latin typeface="Segoe UI" panose="020B0502040204020203" pitchFamily="34" charset="0"/>
                 <a:ea typeface="Calibri" panose="020F0502020204030204" pitchFamily="34" charset="0"/>
                 <a:cs typeface="Times New Roman" panose="02020603050405020304" pitchFamily="18" charset="0"/>
               </a:rPr>
-              <a:t>Select the </a:t>
+              <a:t> le </a:t>
+            </a:r>
+            <a:r>
+              <a:rPr lang="en-US" dirty="0" err="1" smtClean="0">
+                <a:latin typeface="Segoe UI" panose="020B0502040204020203" pitchFamily="34" charset="0"/>
+                <a:ea typeface="Calibri" panose="020F0502020204030204" pitchFamily="34" charset="0"/>
+                <a:cs typeface="Times New Roman" panose="02020603050405020304" pitchFamily="18" charset="0"/>
+              </a:rPr>
+              <a:t>jeux</a:t>
+            </a:r>
+            <a:r>
+              <a:rPr lang="en-US" dirty="0" smtClean="0">
+                <a:latin typeface="Segoe UI" panose="020B0502040204020203" pitchFamily="34" charset="0"/>
+                <a:ea typeface="Calibri" panose="020F0502020204030204" pitchFamily="34" charset="0"/>
+                <a:cs typeface="Times New Roman" panose="02020603050405020304" pitchFamily="18" charset="0"/>
+              </a:rPr>
+              <a:t> de </a:t>
+            </a:r>
+            <a:r>
+              <a:rPr lang="en-US" dirty="0" err="1" smtClean="0">
+                <a:latin typeface="Segoe UI" panose="020B0502040204020203" pitchFamily="34" charset="0"/>
+                <a:ea typeface="Calibri" panose="020F0502020204030204" pitchFamily="34" charset="0"/>
+                <a:cs typeface="Times New Roman" panose="02020603050405020304" pitchFamily="18" charset="0"/>
+              </a:rPr>
+              <a:t>données</a:t>
+            </a:r>
+            <a:r>
+              <a:rPr lang="en-US" b="1" dirty="0" smtClean="0">
+                <a:latin typeface="Segoe UI" panose="020B0502040204020203" pitchFamily="34" charset="0"/>
+                <a:ea typeface="Calibri" panose="020F0502020204030204" pitchFamily="34" charset="0"/>
+                <a:cs typeface="Times New Roman" panose="02020603050405020304" pitchFamily="18" charset="0"/>
+              </a:rPr>
+              <a:t> </a:t>
             </a:r>
             <a:r>
               <a:rPr lang="en-US" b="1" dirty="0" err="1" smtClean="0">
@@ -3532,7 +4380,7 @@
                 <a:ea typeface="Calibri" panose="020F0502020204030204" pitchFamily="34" charset="0"/>
                 <a:cs typeface="Times New Roman" panose="02020603050405020304" pitchFamily="18" charset="0"/>
               </a:rPr>
-              <a:t> table </a:t>
+              <a:t> </a:t>
             </a:r>
             <a:r>
               <a:rPr lang="en-US" dirty="0" smtClean="0">
@@ -3540,9 +4388,49 @@
                 <a:ea typeface="Calibri" panose="020F0502020204030204" pitchFamily="34" charset="0"/>
                 <a:cs typeface="Times New Roman" panose="02020603050405020304" pitchFamily="18" charset="0"/>
               </a:rPr>
-              <a:t>and load the data at the editor level</a:t>
-            </a:r>
-            <a:endParaRPr lang="en-US" sz="1400" dirty="0">
+              <a:t>et </a:t>
+            </a:r>
+            <a:r>
+              <a:rPr lang="en-US" dirty="0" err="1" smtClean="0">
+                <a:latin typeface="Segoe UI" panose="020B0502040204020203" pitchFamily="34" charset="0"/>
+                <a:ea typeface="Calibri" panose="020F0502020204030204" pitchFamily="34" charset="0"/>
+                <a:cs typeface="Times New Roman" panose="02020603050405020304" pitchFamily="18" charset="0"/>
+              </a:rPr>
+              <a:t>éditez</a:t>
+            </a:r>
+            <a:r>
+              <a:rPr lang="en-US" dirty="0" smtClean="0">
+                <a:latin typeface="Segoe UI" panose="020B0502040204020203" pitchFamily="34" charset="0"/>
+                <a:ea typeface="Calibri" panose="020F0502020204030204" pitchFamily="34" charset="0"/>
+                <a:cs typeface="Times New Roman" panose="02020603050405020304" pitchFamily="18" charset="0"/>
+              </a:rPr>
+              <a:t> le </a:t>
+            </a:r>
+            <a:r>
+              <a:rPr lang="en-US" dirty="0" err="1" smtClean="0">
+                <a:latin typeface="Segoe UI" panose="020B0502040204020203" pitchFamily="34" charset="0"/>
+                <a:ea typeface="Calibri" panose="020F0502020204030204" pitchFamily="34" charset="0"/>
+                <a:cs typeface="Times New Roman" panose="02020603050405020304" pitchFamily="18" charset="0"/>
+              </a:rPr>
+              <a:t>dans</a:t>
+            </a:r>
+            <a:r>
+              <a:rPr lang="en-US" dirty="0" smtClean="0">
+                <a:latin typeface="Segoe UI" panose="020B0502040204020203" pitchFamily="34" charset="0"/>
+                <a:ea typeface="Calibri" panose="020F0502020204030204" pitchFamily="34" charset="0"/>
+                <a:cs typeface="Times New Roman" panose="02020603050405020304" pitchFamily="18" charset="0"/>
+              </a:rPr>
+              <a:t> le </a:t>
+            </a:r>
+            <a:r>
+              <a:rPr lang="en-US" b="1" dirty="0" smtClean="0">
+                <a:latin typeface="Segoe UI" panose="020B0502040204020203" pitchFamily="34" charset="0"/>
+                <a:ea typeface="Calibri" panose="020F0502020204030204" pitchFamily="34" charset="0"/>
+                <a:cs typeface="Times New Roman" panose="02020603050405020304" pitchFamily="18" charset="0"/>
+              </a:rPr>
+              <a:t>Power Query M </a:t>
+            </a:r>
+            <a:endParaRPr lang="en-US" sz="1400" b="1" dirty="0">
               <a:effectLst/>
               <a:latin typeface="Calibri" panose="020F0502020204030204" pitchFamily="34" charset="0"/>
               <a:ea typeface="Calibri" panose="020F0502020204030204" pitchFamily="34" charset="0"/>
@@ -3551,157 +4439,18 @@
           </a:p>
         </p:txBody>
       </p:sp>
-      <p:pic>
-        <p:nvPicPr>
-          <p:cNvPr id="5" name="Picture 4"/>
-          <p:cNvPicPr/>
+      <p:sp>
+        <p:nvSpPr>
+          <p:cNvPr id="8" name="Rectangle 1"/>
+          <p:cNvSpPr>
+            <a:spLocks noChangeArrowheads="1"/>
+          </p:cNvSpPr>
           <p:nvPr/>
-        </p:nvPicPr>
-        <p:blipFill>
-          <a:blip r:embed="rId2">
-            <a:extLst>
-              <a:ext uri="{28A0092B-C50C-407E-A947-70E740481C1C}">
-                <a14:useLocalDpi xmlns:a14="http://schemas.microsoft.com/office/drawing/2010/main" val="0"/>
-              </a:ext>
-            </a:extLst>
-          </a:blip>
-          <a:srcRect/>
-          <a:stretch>
-            <a:fillRect/>
-          </a:stretch>
-        </p:blipFill>
+        </p:nvSpPr>
         <p:spPr bwMode="auto">
           <a:xfrm>
-            <a:off x="504502" y="2006987"/>
-            <a:ext cx="7037579" cy="1486228"/>
-          </a:xfrm>
-          <a:prstGeom prst="rect">
-            <a:avLst/>
-          </a:prstGeom>
-          <a:ln>
-            <a:noFill/>
-          </a:ln>
-          <a:effectLst>
-            <a:outerShdw blurRad="292100" dist="139700" dir="2700000" algn="tl" rotWithShape="0">
-              <a:srgbClr val="333333">
-                <a:alpha val="65000"/>
-              </a:srgbClr>
-            </a:outerShdw>
-          </a:effectLst>
-        </p:spPr>
-      </p:pic>
-      <p:sp>
-        <p:nvSpPr>
-          <p:cNvPr id="6" name="Rectangle 5"/>
-          <p:cNvSpPr/>
-          <p:nvPr/>
-        </p:nvSpPr>
-        <p:spPr>
-          <a:xfrm>
-            <a:off x="371259" y="3938995"/>
-            <a:ext cx="9553555" cy="407035"/>
-          </a:xfrm>
-          <a:prstGeom prst="rect">
-            <a:avLst/>
-          </a:prstGeom>
-        </p:spPr>
-        <p:txBody>
-          <a:bodyPr wrap="square">
-            <a:spAutoFit/>
-          </a:bodyPr>
-          <a:lstStyle/>
-          <a:p>
-            <a:pPr lvl="0">
-              <a:lnSpc>
-                <a:spcPct val="107000"/>
-              </a:lnSpc>
-              <a:spcAft>
-                <a:spcPts val="800"/>
-              </a:spcAft>
-            </a:pPr>
-            <a:r>
-              <a:rPr lang="fr-FR" sz="2000" b="1" dirty="0"/>
-              <a:t>Sélectionnez la table "</a:t>
-            </a:r>
-            <a:r>
-              <a:rPr lang="fr-FR" sz="2000" b="1" dirty="0" err="1"/>
-              <a:t>Unpivot</a:t>
-            </a:r>
-            <a:r>
-              <a:rPr lang="fr-FR" sz="2000" b="1" dirty="0"/>
-              <a:t>"</a:t>
-            </a:r>
-            <a:r>
-              <a:rPr lang="fr-FR" sz="2000" dirty="0"/>
-              <a:t> et chargez les données au niveau de l'éditeur.</a:t>
-            </a:r>
-            <a:endParaRPr lang="en-US" sz="1600" dirty="0">
-              <a:effectLst/>
-              <a:latin typeface="Calibri" panose="020F0502020204030204" pitchFamily="34" charset="0"/>
-              <a:ea typeface="Calibri" panose="020F0502020204030204" pitchFamily="34" charset="0"/>
-              <a:cs typeface="Times New Roman" panose="02020603050405020304" pitchFamily="18" charset="0"/>
-            </a:endParaRPr>
-          </a:p>
-        </p:txBody>
-      </p:sp>
-      <p:sp>
-        <p:nvSpPr>
-          <p:cNvPr id="7" name="Rectangle 6"/>
-          <p:cNvSpPr/>
-          <p:nvPr/>
-        </p:nvSpPr>
-        <p:spPr>
-          <a:xfrm>
-            <a:off x="371259" y="4523307"/>
-            <a:ext cx="6517362" cy="407035"/>
-          </a:xfrm>
-          <a:prstGeom prst="rect">
-            <a:avLst/>
-          </a:prstGeom>
-        </p:spPr>
-        <p:txBody>
-          <a:bodyPr wrap="none">
-            <a:spAutoFit/>
-          </a:bodyPr>
-          <a:lstStyle/>
-          <a:p>
-            <a:pPr lvl="0">
-              <a:lnSpc>
-                <a:spcPct val="107000"/>
-              </a:lnSpc>
-              <a:spcAft>
-                <a:spcPts val="800"/>
-              </a:spcAft>
-            </a:pPr>
-            <a:r>
-              <a:rPr lang="fr-FR" sz="2000" b="1" dirty="0"/>
-              <a:t>Chargez maintenant la table "Pivot"</a:t>
-            </a:r>
-            <a:r>
-              <a:rPr lang="fr-FR" sz="2000" dirty="0"/>
-              <a:t> depuis le fichier source.</a:t>
-            </a:r>
-            <a:endParaRPr lang="en-US" sz="1600" dirty="0">
-              <a:effectLst/>
-              <a:latin typeface="Calibri" panose="020F0502020204030204" pitchFamily="34" charset="0"/>
-              <a:ea typeface="Calibri" panose="020F0502020204030204" pitchFamily="34" charset="0"/>
-              <a:cs typeface="Times New Roman" panose="02020603050405020304" pitchFamily="18" charset="0"/>
-            </a:endParaRPr>
-          </a:p>
-        </p:txBody>
-      </p:sp>
-      <p:sp>
-        <p:nvSpPr>
-          <p:cNvPr id="8" name="Rectangle 1"/>
-          <p:cNvSpPr>
-            <a:spLocks noChangeArrowheads="1"/>
-          </p:cNvSpPr>
-          <p:nvPr/>
-        </p:nvSpPr>
-        <p:spPr bwMode="auto">
-          <a:xfrm>
             <a:off x="371259" y="904099"/>
-            <a:ext cx="11533991" cy="369332"/>
+            <a:ext cx="11469871" cy="369332"/>
           </a:xfrm>
           <a:prstGeom prst="rect">
             <a:avLst/>
@@ -3802,7 +4551,7 @@
                 <a:effectLst/>
                 <a:latin typeface="Arial" panose="020B0604020202020204" pitchFamily="34" charset="0"/>
               </a:rPr>
-              <a:t>Store.xlsx</a:t>
+              <a:t>Score.xlsx</a:t>
             </a:r>
             <a:r>
               <a:rPr kumimoji="0" lang="fr-FR" altLang="en-US" sz="1800" b="0" i="0" u="none" strike="noStrike" cap="none" normalizeH="0" baseline="0" dirty="0" smtClean="0">
@@ -3815,7 +4564,20 @@
                 <a:effectLst/>
                 <a:latin typeface="Arial" panose="020B0604020202020204" pitchFamily="34" charset="0"/>
               </a:rPr>
-              <a:t> situé dans le dossier </a:t>
+              <a:t> </a:t>
+            </a:r>
+            <a:r>
+              <a:rPr kumimoji="0" lang="fr-FR" altLang="en-US" sz="1800" b="0" i="0" u="none" strike="noStrike" cap="none" normalizeH="0" baseline="0" dirty="0" smtClean="0">
+                <a:ln>
+                  <a:noFill/>
+                </a:ln>
+                <a:solidFill>
+                  <a:schemeClr val="tx1"/>
+                </a:solidFill>
+                <a:effectLst/>
+                <a:latin typeface="Arial" panose="020B0604020202020204" pitchFamily="34" charset="0"/>
+              </a:rPr>
+              <a:t>situé dans le dossier </a:t>
             </a:r>
             <a:r>
               <a:rPr kumimoji="0" lang="fr-FR" altLang="en-US" sz="1800" b="1" i="0" u="none" strike="noStrike" cap="none" normalizeH="0" baseline="0" dirty="0" err="1" smtClean="0">
@@ -3841,7 +4603,7 @@
                 <a:effectLst/>
                 <a:latin typeface="Arial" panose="020B0604020202020204" pitchFamily="34" charset="0"/>
               </a:rPr>
-              <a:t>\Advanced Transformations</a:t>
+              <a:t>\Transformations avancées</a:t>
             </a:r>
             <a:r>
               <a:rPr kumimoji="0" lang="fr-FR" altLang="en-US" sz="1800" b="0" i="0" u="none" strike="noStrike" cap="none" normalizeH="0" baseline="0" dirty="0" smtClean="0">
@@ -3856,9 +4618,43 @@
               </a:rPr>
               <a:t>.</a:t>
             </a:r>
-          </a:p>
-        </p:txBody>
-      </p:sp>
+            <a:endParaRPr kumimoji="0" lang="fr-FR" altLang="en-US" sz="1800" b="0" i="0" u="none" strike="noStrike" cap="none" normalizeH="0" baseline="0" dirty="0" smtClean="0">
+              <a:ln>
+                <a:noFill/>
+              </a:ln>
+              <a:solidFill>
+                <a:schemeClr val="tx1"/>
+              </a:solidFill>
+              <a:effectLst/>
+              <a:latin typeface="Arial" panose="020B0604020202020204" pitchFamily="34" charset="0"/>
+            </a:endParaRPr>
+          </a:p>
+        </p:txBody>
+      </p:sp>
+      <p:pic>
+        <p:nvPicPr>
+          <p:cNvPr id="3" name="Picture 2"/>
+          <p:cNvPicPr>
+            <a:picLocks noChangeAspect="1"/>
+          </p:cNvPicPr>
+          <p:nvPr/>
+        </p:nvPicPr>
+        <p:blipFill>
+          <a:blip r:embed="rId2"/>
+          <a:stretch>
+            <a:fillRect/>
+          </a:stretch>
+        </p:blipFill>
+        <p:spPr>
+          <a:xfrm>
+            <a:off x="501887" y="2029480"/>
+            <a:ext cx="9888330" cy="1905266"/>
+          </a:xfrm>
+          <a:prstGeom prst="rect">
+            <a:avLst/>
+          </a:prstGeom>
+        </p:spPr>
+      </p:pic>
     </p:spTree>
     <p:extLst>
       <p:ext uri="{BB962C8B-B14F-4D97-AF65-F5344CB8AC3E}">
@@ -3921,14 +4717,14 @@
       </p:sp>
       <p:sp>
         <p:nvSpPr>
-          <p:cNvPr id="8" name="Rectangle 7"/>
+          <p:cNvPr id="4" name="Rectangle 3"/>
           <p:cNvSpPr/>
           <p:nvPr/>
         </p:nvSpPr>
         <p:spPr>
           <a:xfrm>
-            <a:off x="371258" y="905775"/>
-            <a:ext cx="8972121" cy="369332"/>
+            <a:off x="371259" y="865785"/>
+            <a:ext cx="9553555" cy="373692"/>
           </a:xfrm>
           <a:prstGeom prst="rect">
             <a:avLst/>
@@ -3940,81 +4736,313 @@
           </a:bodyPr>
           <a:lstStyle/>
           <a:p>
-            <a:r>
-              <a:rPr lang="en-US" dirty="0" smtClean="0">
+            <a:pPr lvl="0">
+              <a:lnSpc>
+                <a:spcPct val="107000"/>
+              </a:lnSpc>
+              <a:spcAft>
+                <a:spcPts val="800"/>
+              </a:spcAft>
+            </a:pPr>
+            <a:r>
+              <a:rPr lang="fr-FR" dirty="0" smtClean="0">
                 <a:latin typeface="Segoe UI" panose="020B0502040204020203" pitchFamily="34" charset="0"/>
                 <a:ea typeface="Calibri" panose="020F0502020204030204" pitchFamily="34" charset="0"/>
+                <a:cs typeface="Times New Roman" panose="02020603050405020304" pitchFamily="18" charset="0"/>
               </a:rPr>
-              <a:t>Select the </a:t>
-            </a:r>
-            <a:r>
-              <a:rPr lang="en-US" b="1" dirty="0" smtClean="0">
+              <a:t>Sélectionner les trois colonnes </a:t>
+            </a:r>
+            <a:r>
+              <a:rPr lang="fr-FR" b="1" dirty="0" err="1" smtClean="0">
                 <a:latin typeface="Segoe UI" panose="020B0502040204020203" pitchFamily="34" charset="0"/>
                 <a:ea typeface="Calibri" panose="020F0502020204030204" pitchFamily="34" charset="0"/>
+                <a:cs typeface="Times New Roman" panose="02020603050405020304" pitchFamily="18" charset="0"/>
               </a:rPr>
-              <a:t>Test column and select the Score </a:t>
-            </a:r>
-            <a:r>
-              <a:rPr lang="en-US" dirty="0" smtClean="0">
+              <a:t>TestAScore</a:t>
+            </a:r>
+            <a:r>
+              <a:rPr lang="fr-FR" dirty="0" smtClean="0">
                 <a:latin typeface="Segoe UI" panose="020B0502040204020203" pitchFamily="34" charset="0"/>
                 <a:ea typeface="Calibri" panose="020F0502020204030204" pitchFamily="34" charset="0"/>
+                <a:cs typeface="Times New Roman" panose="02020603050405020304" pitchFamily="18" charset="0"/>
               </a:rPr>
-              <a:t>values column and click </a:t>
-            </a:r>
-            <a:r>
-              <a:rPr lang="en-US" b="1" dirty="0" smtClean="0">
+              <a:t>, </a:t>
+            </a:r>
+            <a:r>
+              <a:rPr lang="fr-FR" b="1" dirty="0" err="1" smtClean="0">
                 <a:latin typeface="Segoe UI" panose="020B0502040204020203" pitchFamily="34" charset="0"/>
                 <a:ea typeface="Calibri" panose="020F0502020204030204" pitchFamily="34" charset="0"/>
+                <a:cs typeface="Times New Roman" panose="02020603050405020304" pitchFamily="18" charset="0"/>
               </a:rPr>
-              <a:t>OK</a:t>
-            </a:r>
-            <a:endParaRPr lang="en-US" dirty="0"/>
+              <a:t>TestBScore</a:t>
+            </a:r>
+            <a:r>
+              <a:rPr lang="fr-FR" dirty="0" smtClean="0">
+                <a:latin typeface="Segoe UI" panose="020B0502040204020203" pitchFamily="34" charset="0"/>
+                <a:ea typeface="Calibri" panose="020F0502020204030204" pitchFamily="34" charset="0"/>
+                <a:cs typeface="Times New Roman" panose="02020603050405020304" pitchFamily="18" charset="0"/>
+              </a:rPr>
+              <a:t> et </a:t>
+            </a:r>
+            <a:r>
+              <a:rPr lang="fr-FR" b="1" dirty="0" err="1" smtClean="0">
+                <a:latin typeface="Segoe UI" panose="020B0502040204020203" pitchFamily="34" charset="0"/>
+                <a:ea typeface="Calibri" panose="020F0502020204030204" pitchFamily="34" charset="0"/>
+                <a:cs typeface="Times New Roman" panose="02020603050405020304" pitchFamily="18" charset="0"/>
+              </a:rPr>
+              <a:t>TestCScore</a:t>
+            </a:r>
+            <a:endParaRPr lang="en-US" sz="1400" b="1" dirty="0">
+              <a:effectLst/>
+              <a:latin typeface="Calibri" panose="020F0502020204030204" pitchFamily="34" charset="0"/>
+              <a:ea typeface="Calibri" panose="020F0502020204030204" pitchFamily="34" charset="0"/>
+              <a:cs typeface="Times New Roman" panose="02020603050405020304" pitchFamily="18" charset="0"/>
+            </a:endParaRPr>
           </a:p>
         </p:txBody>
       </p:sp>
       <p:pic>
         <p:nvPicPr>
-          <p:cNvPr id="9" name="Picture 8"/>
-          <p:cNvPicPr/>
+          <p:cNvPr id="5" name="Picture 4"/>
+          <p:cNvPicPr>
+            <a:picLocks noChangeAspect="1"/>
+          </p:cNvPicPr>
           <p:nvPr/>
         </p:nvPicPr>
         <p:blipFill>
-          <a:blip r:embed="rId2">
-            <a:extLst>
-              <a:ext uri="{28A0092B-C50C-407E-A947-70E740481C1C}">
-                <a14:useLocalDpi xmlns:a14="http://schemas.microsoft.com/office/drawing/2010/main" val="0"/>
-              </a:ext>
-            </a:extLst>
-          </a:blip>
-          <a:srcRect/>
+          <a:blip r:embed="rId3"/>
           <a:stretch>
             <a:fillRect/>
           </a:stretch>
         </p:blipFill>
-        <p:spPr bwMode="auto">
-          <a:xfrm>
-            <a:off x="493351" y="1500125"/>
-            <a:ext cx="5625565" cy="2026846"/>
+        <p:spPr>
+          <a:xfrm>
+            <a:off x="499403" y="1406172"/>
+            <a:ext cx="7906853" cy="1295581"/>
           </a:xfrm>
           <a:prstGeom prst="rect">
             <a:avLst/>
           </a:prstGeom>
+        </p:spPr>
+      </p:pic>
+      <p:pic>
+        <p:nvPicPr>
+          <p:cNvPr id="6" name="Picture 5"/>
+          <p:cNvPicPr>
+            <a:picLocks noChangeAspect="1"/>
+          </p:cNvPicPr>
+          <p:nvPr/>
+        </p:nvPicPr>
+        <p:blipFill>
+          <a:blip r:embed="rId4"/>
+          <a:stretch>
+            <a:fillRect/>
+          </a:stretch>
+        </p:blipFill>
+        <p:spPr>
+          <a:xfrm>
+            <a:off x="494424" y="3722577"/>
+            <a:ext cx="9307224" cy="2781688"/>
+          </a:xfrm>
+          <a:prstGeom prst="rect">
+            <a:avLst/>
+          </a:prstGeom>
+        </p:spPr>
+      </p:pic>
+      <p:sp>
+        <p:nvSpPr>
+          <p:cNvPr id="9" name="Rectangle 8"/>
+          <p:cNvSpPr/>
+          <p:nvPr/>
+        </p:nvSpPr>
+        <p:spPr>
+          <a:xfrm>
+            <a:off x="371259" y="3087607"/>
+            <a:ext cx="9553555" cy="373692"/>
+          </a:xfrm>
+          <a:prstGeom prst="rect">
+            <a:avLst/>
+          </a:prstGeom>
+        </p:spPr>
+        <p:txBody>
+          <a:bodyPr wrap="square">
+            <a:spAutoFit/>
+          </a:bodyPr>
+          <a:lstStyle/>
+          <a:p>
+            <a:pPr lvl="0">
+              <a:lnSpc>
+                <a:spcPct val="107000"/>
+              </a:lnSpc>
+              <a:spcAft>
+                <a:spcPts val="800"/>
+              </a:spcAft>
+            </a:pPr>
+            <a:r>
+              <a:rPr lang="fr-FR" dirty="0" smtClean="0">
+                <a:latin typeface="Segoe UI" panose="020B0502040204020203" pitchFamily="34" charset="0"/>
+                <a:ea typeface="Calibri" panose="020F0502020204030204" pitchFamily="34" charset="0"/>
+                <a:cs typeface="Times New Roman" panose="02020603050405020304" pitchFamily="18" charset="0"/>
+              </a:rPr>
+              <a:t>Click </a:t>
+            </a:r>
+            <a:r>
+              <a:rPr lang="fr-FR" b="1" dirty="0" err="1" smtClean="0">
+                <a:latin typeface="Segoe UI" panose="020B0502040204020203" pitchFamily="34" charset="0"/>
+                <a:ea typeface="Calibri" panose="020F0502020204030204" pitchFamily="34" charset="0"/>
+                <a:cs typeface="Times New Roman" panose="02020603050405020304" pitchFamily="18" charset="0"/>
+              </a:rPr>
+              <a:t>Unpivot</a:t>
+            </a:r>
+            <a:r>
+              <a:rPr lang="fr-FR" b="1" dirty="0" smtClean="0">
+                <a:latin typeface="Segoe UI" panose="020B0502040204020203" pitchFamily="34" charset="0"/>
+                <a:ea typeface="Calibri" panose="020F0502020204030204" pitchFamily="34" charset="0"/>
+                <a:cs typeface="Times New Roman" panose="02020603050405020304" pitchFamily="18" charset="0"/>
+              </a:rPr>
+              <a:t> </a:t>
+            </a:r>
+            <a:r>
+              <a:rPr lang="fr-FR" b="1" dirty="0" err="1" smtClean="0">
+                <a:latin typeface="Segoe UI" panose="020B0502040204020203" pitchFamily="34" charset="0"/>
+                <a:ea typeface="Calibri" panose="020F0502020204030204" pitchFamily="34" charset="0"/>
+                <a:cs typeface="Times New Roman" panose="02020603050405020304" pitchFamily="18" charset="0"/>
+              </a:rPr>
+              <a:t>Columns</a:t>
+            </a:r>
+            <a:r>
+              <a:rPr lang="fr-FR" b="1" dirty="0">
+                <a:latin typeface="Segoe UI" panose="020B0502040204020203" pitchFamily="34" charset="0"/>
+                <a:ea typeface="Calibri" panose="020F0502020204030204" pitchFamily="34" charset="0"/>
+                <a:cs typeface="Times New Roman" panose="02020603050405020304" pitchFamily="18" charset="0"/>
+              </a:rPr>
+              <a:t> </a:t>
+            </a:r>
+            <a:r>
+              <a:rPr lang="fr-FR" dirty="0" smtClean="0">
+                <a:latin typeface="Segoe UI" panose="020B0502040204020203" pitchFamily="34" charset="0"/>
+                <a:ea typeface="Calibri" panose="020F0502020204030204" pitchFamily="34" charset="0"/>
+                <a:cs typeface="Times New Roman" panose="02020603050405020304" pitchFamily="18" charset="0"/>
+              </a:rPr>
+              <a:t>dans le menu </a:t>
+            </a:r>
+            <a:r>
+              <a:rPr lang="fr-FR" b="1" dirty="0" err="1" smtClean="0">
+                <a:latin typeface="Segoe UI" panose="020B0502040204020203" pitchFamily="34" charset="0"/>
+                <a:ea typeface="Calibri" panose="020F0502020204030204" pitchFamily="34" charset="0"/>
+                <a:cs typeface="Times New Roman" panose="02020603050405020304" pitchFamily="18" charset="0"/>
+              </a:rPr>
+              <a:t>Transform</a:t>
+            </a:r>
+            <a:endParaRPr lang="en-US" sz="1400" b="1" dirty="0">
+              <a:effectLst/>
+              <a:latin typeface="Calibri" panose="020F0502020204030204" pitchFamily="34" charset="0"/>
+              <a:ea typeface="Calibri" panose="020F0502020204030204" pitchFamily="34" charset="0"/>
+              <a:cs typeface="Times New Roman" panose="02020603050405020304" pitchFamily="18" charset="0"/>
+            </a:endParaRPr>
+          </a:p>
+        </p:txBody>
+      </p:sp>
+      <p:sp>
+        <p:nvSpPr>
+          <p:cNvPr id="7" name="Rectangle 6"/>
+          <p:cNvSpPr/>
+          <p:nvPr/>
+        </p:nvSpPr>
+        <p:spPr>
+          <a:xfrm>
+            <a:off x="1540042" y="3722577"/>
+            <a:ext cx="763146" cy="244406"/>
+          </a:xfrm>
+          <a:prstGeom prst="rect">
+            <a:avLst/>
+          </a:prstGeom>
+          <a:solidFill>
+            <a:srgbClr val="FF0000">
+              <a:alpha val="19000"/>
+            </a:srgbClr>
+          </a:solidFill>
           <a:ln>
             <a:noFill/>
           </a:ln>
-          <a:effectLst>
-            <a:outerShdw blurRad="292100" dist="139700" dir="2700000" algn="tl" rotWithShape="0">
-              <a:srgbClr val="333333">
-                <a:alpha val="65000"/>
-              </a:srgbClr>
-            </a:outerShdw>
-          </a:effectLst>
-        </p:spPr>
-      </p:pic>
+        </p:spPr>
+        <p:style>
+          <a:lnRef idx="2">
+            <a:schemeClr val="accent1">
+              <a:shade val="50000"/>
+            </a:schemeClr>
+          </a:lnRef>
+          <a:fillRef idx="1">
+            <a:schemeClr val="accent1"/>
+          </a:fillRef>
+          <a:effectRef idx="0">
+            <a:schemeClr val="accent1"/>
+          </a:effectRef>
+          <a:fontRef idx="minor">
+            <a:schemeClr val="lt1"/>
+          </a:fontRef>
+        </p:style>
+        <p:txBody>
+          <a:bodyPr rtlCol="0" anchor="ctr"/>
+          <a:lstStyle/>
+          <a:p>
+            <a:pPr algn="ctr"/>
+            <a:endParaRPr lang="en-US"/>
+          </a:p>
+        </p:txBody>
+      </p:sp>
+      <p:sp>
+        <p:nvSpPr>
+          <p:cNvPr id="10" name="Rectangle 9"/>
+          <p:cNvSpPr/>
+          <p:nvPr/>
+        </p:nvSpPr>
+        <p:spPr>
+          <a:xfrm>
+            <a:off x="4384889" y="4248865"/>
+            <a:ext cx="2077787" cy="192505"/>
+          </a:xfrm>
+          <a:prstGeom prst="rect">
+            <a:avLst/>
+          </a:prstGeom>
+          <a:solidFill>
+            <a:srgbClr val="FF0000">
+              <a:alpha val="19000"/>
+            </a:srgbClr>
+          </a:solidFill>
+          <a:ln>
+            <a:noFill/>
+          </a:ln>
+        </p:spPr>
+        <p:style>
+          <a:lnRef idx="2">
+            <a:schemeClr val="accent1">
+              <a:shade val="50000"/>
+            </a:schemeClr>
+          </a:lnRef>
+          <a:fillRef idx="1">
+            <a:schemeClr val="accent1"/>
+          </a:fillRef>
+          <a:effectRef idx="0">
+            <a:schemeClr val="accent1"/>
+          </a:effectRef>
+          <a:fontRef idx="minor">
+            <a:schemeClr val="lt1"/>
+          </a:fontRef>
+        </p:style>
+        <p:txBody>
+          <a:bodyPr rtlCol="0" anchor="ctr"/>
+          <a:lstStyle/>
+          <a:p>
+            <a:pPr algn="ctr"/>
+            <a:endParaRPr lang="en-US"/>
+          </a:p>
+        </p:txBody>
+      </p:sp>
     </p:spTree>
     <p:extLst>
       <p:ext uri="{BB962C8B-B14F-4D97-AF65-F5344CB8AC3E}">
-        <p14:creationId xmlns:p14="http://schemas.microsoft.com/office/powerpoint/2010/main" val="1572459485"/>
+        <p14:creationId xmlns:p14="http://schemas.microsoft.com/office/powerpoint/2010/main" val="1762266910"/>
       </p:ext>
     </p:extLst>
   </p:cSld>
@@ -4027,14 +5055,6 @@
 <file path=ppt/slides/slide4.xml><?xml version="1.0" encoding="utf-8"?>
 <p:sld xmlns:a="http://schemas.openxmlformats.org/drawingml/2006/main" xmlns:r="http://schemas.openxmlformats.org/officeDocument/2006/relationships" xmlns:p="http://schemas.openxmlformats.org/presentationml/2006/main">
   <p:cSld>
-    <p:bg>
-      <p:bgPr>
-        <a:solidFill>
-          <a:srgbClr val="FFC000"/>
-        </a:solidFill>
-        <a:effectLst/>
-      </p:bgPr>
-    </p:bg>
     <p:spTree>
       <p:nvGrpSpPr>
         <p:cNvPr id="1" name=""/>
@@ -4049,55 +5069,264 @@
           <a:chExt cx="0" cy="0"/>
         </a:xfrm>
       </p:grpSpPr>
-      <p:sp>
-        <p:nvSpPr>
-          <p:cNvPr id="2" name="AutoShape 2" descr="Minimalistic illustration in black and white on a white background with the text 'Thank You' elegantly styled below. The design features simple, clean icons such as a handshake or a ribbon to symbolize gratitude, with a professional and modern aesthetic suitable for a presentation closing slide."/>
-          <p:cNvSpPr>
-            <a:spLocks noChangeAspect="1" noChangeArrowheads="1"/>
-          </p:cNvSpPr>
+      <p:pic>
+        <p:nvPicPr>
+          <p:cNvPr id="3" name="Picture 2"/>
+          <p:cNvPicPr>
+            <a:picLocks noChangeAspect="1"/>
+          </p:cNvPicPr>
           <p:nvPr/>
-        </p:nvSpPr>
-        <p:spPr bwMode="auto">
-          <a:xfrm>
-            <a:off x="155575" y="-144463"/>
-            <a:ext cx="304800" cy="304801"/>
+        </p:nvPicPr>
+        <p:blipFill>
+          <a:blip r:embed="rId3"/>
+          <a:stretch>
+            <a:fillRect/>
+          </a:stretch>
+        </p:blipFill>
+        <p:spPr>
+          <a:xfrm>
+            <a:off x="472436" y="1864481"/>
+            <a:ext cx="6420746" cy="3362794"/>
+          </a:xfrm>
+          <a:prstGeom prst="rect">
+            <a:avLst/>
+          </a:prstGeom>
+        </p:spPr>
+      </p:pic>
+      <p:sp>
+        <p:nvSpPr>
+          <p:cNvPr id="2" name="TextBox 1"/>
+          <p:cNvSpPr txBox="1"/>
+          <p:nvPr/>
+        </p:nvSpPr>
+        <p:spPr>
+          <a:xfrm>
+            <a:off x="371259" y="268133"/>
+            <a:ext cx="920317" cy="523220"/>
           </a:xfrm>
           <a:prstGeom prst="rect">
             <a:avLst/>
           </a:prstGeom>
           <a:noFill/>
-          <a:extLst>
-            <a:ext uri="{909E8E84-426E-40DD-AFC4-6F175D3DCCD1}">
-              <a14:hiddenFill xmlns:a14="http://schemas.microsoft.com/office/drawing/2010/main">
-                <a:solidFill>
-                  <a:srgbClr val="FFFFFF"/>
-                </a:solidFill>
-              </a14:hiddenFill>
-            </a:ext>
-          </a:extLst>
-        </p:spPr>
-        <p:txBody>
-          <a:bodyPr vert="horz" wrap="square" lIns="91440" tIns="45720" rIns="91440" bIns="45720" numCol="1" anchor="t" anchorCtr="0" compatLnSpc="1">
-            <a:prstTxWarp prst="textNoShape">
-              <a:avLst/>
-            </a:prstTxWarp>
+        </p:spPr>
+        <p:txBody>
+          <a:bodyPr wrap="none" rtlCol="0">
+            <a:spAutoFit/>
           </a:bodyPr>
           <a:lstStyle/>
           <a:p>
-            <a:endParaRPr lang="en-US"/>
-          </a:p>
-        </p:txBody>
-      </p:sp>
-      <p:sp>
-        <p:nvSpPr>
-          <p:cNvPr id="7" name="TextBox 6"/>
+            <a:r>
+              <a:rPr lang="fr-FR" sz="2800" dirty="0" smtClean="0"/>
+              <a:t>Pivot</a:t>
+            </a:r>
+            <a:endParaRPr lang="en-US" sz="2800" dirty="0"/>
+          </a:p>
+        </p:txBody>
+      </p:sp>
+      <p:sp>
+        <p:nvSpPr>
+          <p:cNvPr id="4" name="Rectangle 3"/>
+          <p:cNvSpPr/>
+          <p:nvPr/>
+        </p:nvSpPr>
+        <p:spPr>
+          <a:xfrm>
+            <a:off x="371259" y="865785"/>
+            <a:ext cx="11144681" cy="787652"/>
+          </a:xfrm>
+          <a:prstGeom prst="rect">
+            <a:avLst/>
+          </a:prstGeom>
+        </p:spPr>
+        <p:txBody>
+          <a:bodyPr wrap="square">
+            <a:spAutoFit/>
+          </a:bodyPr>
+          <a:lstStyle/>
+          <a:p>
+            <a:pPr lvl="0">
+              <a:lnSpc>
+                <a:spcPct val="107000"/>
+              </a:lnSpc>
+              <a:spcAft>
+                <a:spcPts val="800"/>
+              </a:spcAft>
+            </a:pPr>
+            <a:r>
+              <a:rPr lang="fr-FR" dirty="0" smtClean="0">
+                <a:effectLst/>
+                <a:latin typeface="Segoe UI" panose="020B0502040204020203" pitchFamily="34" charset="0"/>
+                <a:ea typeface="Calibri" panose="020F0502020204030204" pitchFamily="34" charset="0"/>
+                <a:cs typeface="Segoe UI" panose="020B0502040204020203" pitchFamily="34" charset="0"/>
+              </a:rPr>
+              <a:t>Le résultat devrait rassemblait au résultat ci-dessous, il faut juste changer le nom de la nouvelle colonne</a:t>
+            </a:r>
+          </a:p>
+          <a:p>
+            <a:pPr lvl="0">
+              <a:lnSpc>
+                <a:spcPct val="107000"/>
+              </a:lnSpc>
+              <a:spcAft>
+                <a:spcPts val="800"/>
+              </a:spcAft>
+            </a:pPr>
+            <a:r>
+              <a:rPr lang="fr-FR" dirty="0" smtClean="0">
+                <a:latin typeface="Segoe UI" panose="020B0502040204020203" pitchFamily="34" charset="0"/>
+                <a:ea typeface="Calibri" panose="020F0502020204030204" pitchFamily="34" charset="0"/>
+                <a:cs typeface="Segoe UI" panose="020B0502040204020203" pitchFamily="34" charset="0"/>
+              </a:rPr>
+              <a:t>attribut par </a:t>
+            </a:r>
+            <a:r>
+              <a:rPr lang="fr-FR" dirty="0" smtClean="0">
+                <a:effectLst/>
+                <a:latin typeface="Segoe UI" panose="020B0502040204020203" pitchFamily="34" charset="0"/>
+                <a:ea typeface="Calibri" panose="020F0502020204030204" pitchFamily="34" charset="0"/>
+                <a:cs typeface="Segoe UI" panose="020B0502040204020203" pitchFamily="34" charset="0"/>
+              </a:rPr>
+              <a:t> </a:t>
+            </a:r>
+            <a:r>
+              <a:rPr lang="fr-FR" b="1" dirty="0" smtClean="0">
+                <a:effectLst/>
+                <a:latin typeface="Segoe UI" panose="020B0502040204020203" pitchFamily="34" charset="0"/>
+                <a:ea typeface="Calibri" panose="020F0502020204030204" pitchFamily="34" charset="0"/>
+                <a:cs typeface="Segoe UI" panose="020B0502040204020203" pitchFamily="34" charset="0"/>
+              </a:rPr>
+              <a:t>Score</a:t>
+            </a:r>
+            <a:r>
+              <a:rPr lang="fr-FR" dirty="0" smtClean="0">
+                <a:effectLst/>
+                <a:latin typeface="Segoe UI" panose="020B0502040204020203" pitchFamily="34" charset="0"/>
+                <a:ea typeface="Calibri" panose="020F0502020204030204" pitchFamily="34" charset="0"/>
+                <a:cs typeface="Segoe UI" panose="020B0502040204020203" pitchFamily="34" charset="0"/>
+              </a:rPr>
+              <a:t>  </a:t>
+            </a:r>
+            <a:endParaRPr lang="en-US" dirty="0">
+              <a:effectLst/>
+              <a:latin typeface="Segoe UI" panose="020B0502040204020203" pitchFamily="34" charset="0"/>
+              <a:ea typeface="Calibri" panose="020F0502020204030204" pitchFamily="34" charset="0"/>
+              <a:cs typeface="Segoe UI" panose="020B0502040204020203" pitchFamily="34" charset="0"/>
+            </a:endParaRPr>
+          </a:p>
+        </p:txBody>
+      </p:sp>
+      <p:sp>
+        <p:nvSpPr>
+          <p:cNvPr id="10" name="Rectangle 9"/>
+          <p:cNvSpPr/>
+          <p:nvPr/>
+        </p:nvSpPr>
+        <p:spPr>
+          <a:xfrm>
+            <a:off x="3772998" y="1973178"/>
+            <a:ext cx="1520898" cy="3254097"/>
+          </a:xfrm>
+          <a:prstGeom prst="rect">
+            <a:avLst/>
+          </a:prstGeom>
+          <a:solidFill>
+            <a:srgbClr val="FF0000">
+              <a:alpha val="19000"/>
+            </a:srgbClr>
+          </a:solidFill>
+          <a:ln>
+            <a:noFill/>
+          </a:ln>
+        </p:spPr>
+        <p:style>
+          <a:lnRef idx="2">
+            <a:schemeClr val="accent1">
+              <a:shade val="50000"/>
+            </a:schemeClr>
+          </a:lnRef>
+          <a:fillRef idx="1">
+            <a:schemeClr val="accent1"/>
+          </a:fillRef>
+          <a:effectRef idx="0">
+            <a:schemeClr val="accent1"/>
+          </a:effectRef>
+          <a:fontRef idx="minor">
+            <a:schemeClr val="lt1"/>
+          </a:fontRef>
+        </p:style>
+        <p:txBody>
+          <a:bodyPr rtlCol="0" anchor="ctr"/>
+          <a:lstStyle/>
+          <a:p>
+            <a:pPr algn="ctr"/>
+            <a:endParaRPr lang="en-US"/>
+          </a:p>
+        </p:txBody>
+      </p:sp>
+    </p:spTree>
+    <p:extLst>
+      <p:ext uri="{BB962C8B-B14F-4D97-AF65-F5344CB8AC3E}">
+        <p14:creationId xmlns:p14="http://schemas.microsoft.com/office/powerpoint/2010/main" val="3521843931"/>
+      </p:ext>
+    </p:extLst>
+  </p:cSld>
+  <p:clrMapOvr>
+    <a:masterClrMapping/>
+  </p:clrMapOvr>
+</p:sld>
+</file>
+
+<file path=ppt/slides/slide5.xml><?xml version="1.0" encoding="utf-8"?>
+<p:sld xmlns:a="http://schemas.openxmlformats.org/drawingml/2006/main" xmlns:r="http://schemas.openxmlformats.org/officeDocument/2006/relationships" xmlns:p="http://schemas.openxmlformats.org/presentationml/2006/main">
+  <p:cSld>
+    <p:spTree>
+      <p:nvGrpSpPr>
+        <p:cNvPr id="1" name=""/>
+        <p:cNvGrpSpPr/>
+        <p:nvPr/>
+      </p:nvGrpSpPr>
+      <p:grpSpPr>
+        <a:xfrm>
+          <a:off x="0" y="0"/>
+          <a:ext cx="0" cy="0"/>
+          <a:chOff x="0" y="0"/>
+          <a:chExt cx="0" cy="0"/>
+        </a:xfrm>
+      </p:grpSpPr>
+      <p:pic>
+        <p:nvPicPr>
+          <p:cNvPr id="5" name="Picture 4"/>
+          <p:cNvPicPr>
+            <a:picLocks noChangeAspect="1"/>
+          </p:cNvPicPr>
+          <p:nvPr/>
+        </p:nvPicPr>
+        <p:blipFill>
+          <a:blip r:embed="rId3"/>
+          <a:stretch>
+            <a:fillRect/>
+          </a:stretch>
+        </p:blipFill>
+        <p:spPr>
+          <a:xfrm>
+            <a:off x="475626" y="1449902"/>
+            <a:ext cx="6373114" cy="3229426"/>
+          </a:xfrm>
+          <a:prstGeom prst="rect">
+            <a:avLst/>
+          </a:prstGeom>
+        </p:spPr>
+      </p:pic>
+      <p:sp>
+        <p:nvSpPr>
+          <p:cNvPr id="2" name="TextBox 1"/>
           <p:cNvSpPr txBox="1"/>
           <p:nvPr/>
         </p:nvSpPr>
         <p:spPr>
           <a:xfrm>
-            <a:off x="4084981" y="2485566"/>
-            <a:ext cx="3456395" cy="1569660"/>
+            <a:off x="371259" y="268133"/>
+            <a:ext cx="920317" cy="523220"/>
           </a:xfrm>
           <a:prstGeom prst="rect">
             <a:avLst/>
@@ -4111,22 +5340,62 @@
           <a:lstStyle/>
           <a:p>
             <a:r>
-              <a:rPr lang="en-US" sz="9600" b="1" dirty="0" smtClean="0">
-                <a:solidFill>
-                  <a:srgbClr val="7030A0"/>
-                </a:solidFill>
+              <a:rPr lang="fr-FR" sz="2800" dirty="0" smtClean="0"/>
+              <a:t>Pivot</a:t>
+            </a:r>
+            <a:endParaRPr lang="en-US" sz="2800" dirty="0"/>
+          </a:p>
+        </p:txBody>
+      </p:sp>
+      <p:sp>
+        <p:nvSpPr>
+          <p:cNvPr id="4" name="Rectangle 3"/>
+          <p:cNvSpPr/>
+          <p:nvPr/>
+        </p:nvSpPr>
+        <p:spPr>
+          <a:xfrm>
+            <a:off x="371259" y="865785"/>
+            <a:ext cx="11144681" cy="366895"/>
+          </a:xfrm>
+          <a:prstGeom prst="rect">
+            <a:avLst/>
+          </a:prstGeom>
+        </p:spPr>
+        <p:txBody>
+          <a:bodyPr wrap="square">
+            <a:spAutoFit/>
+          </a:bodyPr>
+          <a:lstStyle/>
+          <a:p>
+            <a:pPr lvl="0">
+              <a:lnSpc>
+                <a:spcPct val="107000"/>
+              </a:lnSpc>
+              <a:spcAft>
+                <a:spcPts val="800"/>
+              </a:spcAft>
+            </a:pPr>
+            <a:r>
+              <a:rPr lang="fr-FR" dirty="0" smtClean="0">
                 <a:latin typeface="Segoe UI" panose="020B0502040204020203" pitchFamily="34" charset="0"/>
-                <a:ea typeface="Verdana" panose="020B0604030504040204" pitchFamily="34" charset="0"/>
+                <a:ea typeface="Calibri" panose="020F0502020204030204" pitchFamily="34" charset="0"/>
                 <a:cs typeface="Segoe UI" panose="020B0502040204020203" pitchFamily="34" charset="0"/>
               </a:rPr>
-              <a:t>Merci</a:t>
-            </a:r>
-            <a:endParaRPr lang="en-US" sz="9600" b="1" dirty="0">
-              <a:solidFill>
-                <a:srgbClr val="7030A0"/>
-              </a:solidFill>
+              <a:t>Charger à présent la table </a:t>
+            </a:r>
+            <a:r>
+              <a:rPr lang="fr-FR" b="1" dirty="0" smtClean="0">
+                <a:latin typeface="Segoe UI" panose="020B0502040204020203" pitchFamily="34" charset="0"/>
+                <a:ea typeface="Calibri" panose="020F0502020204030204" pitchFamily="34" charset="0"/>
+                <a:cs typeface="Segoe UI" panose="020B0502040204020203" pitchFamily="34" charset="0"/>
+              </a:rPr>
+              <a:t>Pivot </a:t>
+            </a:r>
+            <a:endParaRPr lang="en-US" b="1" dirty="0">
+              <a:effectLst/>
               <a:latin typeface="Segoe UI" panose="020B0502040204020203" pitchFamily="34" charset="0"/>
-              <a:ea typeface="Verdana" panose="020B0604030504040204" pitchFamily="34" charset="0"/>
+              <a:ea typeface="Calibri" panose="020F0502020204030204" pitchFamily="34" charset="0"/>
               <a:cs typeface="Segoe UI" panose="020B0502040204020203" pitchFamily="34" charset="0"/>
             </a:endParaRPr>
           </a:p>
@@ -4134,14 +5403,92 @@
       </p:sp>
       <p:sp>
         <p:nvSpPr>
-          <p:cNvPr id="8" name="TextBox 7"/>
+          <p:cNvPr id="10" name="Rectangle 9"/>
+          <p:cNvSpPr/>
+          <p:nvPr/>
+        </p:nvSpPr>
+        <p:spPr>
+          <a:xfrm>
+            <a:off x="3772998" y="1449902"/>
+            <a:ext cx="1520898" cy="3254097"/>
+          </a:xfrm>
+          <a:prstGeom prst="rect">
+            <a:avLst/>
+          </a:prstGeom>
+          <a:solidFill>
+            <a:srgbClr val="FF0000">
+              <a:alpha val="19000"/>
+            </a:srgbClr>
+          </a:solidFill>
+          <a:ln>
+            <a:noFill/>
+          </a:ln>
+        </p:spPr>
+        <p:style>
+          <a:lnRef idx="2">
+            <a:schemeClr val="accent1">
+              <a:shade val="50000"/>
+            </a:schemeClr>
+          </a:lnRef>
+          <a:fillRef idx="1">
+            <a:schemeClr val="accent1"/>
+          </a:fillRef>
+          <a:effectRef idx="0">
+            <a:schemeClr val="accent1"/>
+          </a:effectRef>
+          <a:fontRef idx="minor">
+            <a:schemeClr val="lt1"/>
+          </a:fontRef>
+        </p:style>
+        <p:txBody>
+          <a:bodyPr rtlCol="0" anchor="ctr"/>
+          <a:lstStyle/>
+          <a:p>
+            <a:pPr algn="ctr"/>
+            <a:endParaRPr lang="en-US"/>
+          </a:p>
+        </p:txBody>
+      </p:sp>
+    </p:spTree>
+    <p:extLst>
+      <p:ext uri="{BB962C8B-B14F-4D97-AF65-F5344CB8AC3E}">
+        <p14:creationId xmlns:p14="http://schemas.microsoft.com/office/powerpoint/2010/main" val="656795732"/>
+      </p:ext>
+    </p:extLst>
+  </p:cSld>
+  <p:clrMapOvr>
+    <a:masterClrMapping/>
+  </p:clrMapOvr>
+</p:sld>
+</file>
+
+<file path=ppt/slides/slide6.xml><?xml version="1.0" encoding="utf-8"?>
+<p:sld xmlns:a="http://schemas.openxmlformats.org/drawingml/2006/main" xmlns:r="http://schemas.openxmlformats.org/officeDocument/2006/relationships" xmlns:p="http://schemas.openxmlformats.org/presentationml/2006/main">
+  <p:cSld>
+    <p:spTree>
+      <p:nvGrpSpPr>
+        <p:cNvPr id="1" name=""/>
+        <p:cNvGrpSpPr/>
+        <p:nvPr/>
+      </p:nvGrpSpPr>
+      <p:grpSpPr>
+        <a:xfrm>
+          <a:off x="0" y="0"/>
+          <a:ext cx="0" cy="0"/>
+          <a:chOff x="0" y="0"/>
+          <a:chExt cx="0" cy="0"/>
+        </a:xfrm>
+      </p:grpSpPr>
+      <p:sp>
+        <p:nvSpPr>
+          <p:cNvPr id="2" name="TextBox 1"/>
           <p:cNvSpPr txBox="1"/>
           <p:nvPr/>
         </p:nvSpPr>
         <p:spPr>
           <a:xfrm>
-            <a:off x="4014739" y="2410365"/>
-            <a:ext cx="3456395" cy="1569660"/>
+            <a:off x="371259" y="268133"/>
+            <a:ext cx="920317" cy="523220"/>
           </a:xfrm>
           <a:prstGeom prst="rect">
             <a:avLst/>
@@ -4155,31 +5502,805 @@
           <a:lstStyle/>
           <a:p>
             <a:r>
-              <a:rPr lang="en-US" sz="9600" b="1" dirty="0" smtClean="0">
-                <a:solidFill>
-                  <a:schemeClr val="bg1"/>
-                </a:solidFill>
+              <a:rPr lang="fr-FR" sz="2800" dirty="0" smtClean="0"/>
+              <a:t>Pivot</a:t>
+            </a:r>
+            <a:endParaRPr lang="en-US" sz="2800" dirty="0"/>
+          </a:p>
+        </p:txBody>
+      </p:sp>
+      <p:sp>
+        <p:nvSpPr>
+          <p:cNvPr id="4" name="Rectangle 3"/>
+          <p:cNvSpPr/>
+          <p:nvPr/>
+        </p:nvSpPr>
+        <p:spPr>
+          <a:xfrm>
+            <a:off x="371259" y="865785"/>
+            <a:ext cx="11144681" cy="388696"/>
+          </a:xfrm>
+          <a:prstGeom prst="rect">
+            <a:avLst/>
+          </a:prstGeom>
+        </p:spPr>
+        <p:txBody>
+          <a:bodyPr wrap="square">
+            <a:spAutoFit/>
+          </a:bodyPr>
+          <a:lstStyle/>
+          <a:p>
+            <a:pPr lvl="0">
+              <a:lnSpc>
+                <a:spcPct val="107000"/>
+              </a:lnSpc>
+              <a:spcAft>
+                <a:spcPts val="800"/>
+              </a:spcAft>
+            </a:pPr>
+            <a:r>
+              <a:rPr lang="fr-FR" dirty="0" smtClean="0">
                 <a:latin typeface="Segoe UI" panose="020B0502040204020203" pitchFamily="34" charset="0"/>
-                <a:ea typeface="Verdana" panose="020B0604030504040204" pitchFamily="34" charset="0"/>
+                <a:ea typeface="Calibri" panose="020F0502020204030204" pitchFamily="34" charset="0"/>
                 <a:cs typeface="Segoe UI" panose="020B0502040204020203" pitchFamily="34" charset="0"/>
               </a:rPr>
-              <a:t>Merci</a:t>
-            </a:r>
-            <a:endParaRPr lang="en-US" sz="9600" b="1" dirty="0">
-              <a:solidFill>
-                <a:schemeClr val="bg1"/>
-              </a:solidFill>
+              <a:t>Sélectionnez la source </a:t>
+            </a:r>
+            <a:r>
+              <a:rPr lang="fr-FR" b="1" dirty="0" smtClean="0">
+                <a:latin typeface="Segoe UI" panose="020B0502040204020203" pitchFamily="34" charset="0"/>
+                <a:ea typeface="Calibri" panose="020F0502020204030204" pitchFamily="34" charset="0"/>
+                <a:cs typeface="Segoe UI" panose="020B0502040204020203" pitchFamily="34" charset="0"/>
+              </a:rPr>
+              <a:t>Pivot </a:t>
+            </a:r>
+            <a:r>
+              <a:rPr lang="fr-FR" dirty="0" smtClean="0">
+                <a:latin typeface="Segoe UI" panose="020B0502040204020203" pitchFamily="34" charset="0"/>
+                <a:ea typeface="Calibri" panose="020F0502020204030204" pitchFamily="34" charset="0"/>
+                <a:cs typeface="Segoe UI" panose="020B0502040204020203" pitchFamily="34" charset="0"/>
+              </a:rPr>
+              <a:t>dans l’éditeur </a:t>
+            </a:r>
+            <a:r>
+              <a:rPr lang="fr-FR" b="1" dirty="0" smtClean="0">
+                <a:latin typeface="Segoe UI" panose="020B0502040204020203" pitchFamily="34" charset="0"/>
+                <a:ea typeface="Calibri" panose="020F0502020204030204" pitchFamily="34" charset="0"/>
+                <a:cs typeface="Segoe UI" panose="020B0502040204020203" pitchFamily="34" charset="0"/>
+              </a:rPr>
+              <a:t>Power </a:t>
+            </a:r>
+            <a:r>
+              <a:rPr lang="fr-FR" b="1" dirty="0" err="1" smtClean="0">
+                <a:latin typeface="Segoe UI" panose="020B0502040204020203" pitchFamily="34" charset="0"/>
+                <a:ea typeface="Calibri" panose="020F0502020204030204" pitchFamily="34" charset="0"/>
+                <a:cs typeface="Segoe UI" panose="020B0502040204020203" pitchFamily="34" charset="0"/>
+              </a:rPr>
+              <a:t>Query</a:t>
+            </a:r>
+            <a:r>
+              <a:rPr lang="fr-FR" b="1" dirty="0" smtClean="0">
+                <a:latin typeface="Segoe UI" panose="020B0502040204020203" pitchFamily="34" charset="0"/>
+                <a:ea typeface="Calibri" panose="020F0502020204030204" pitchFamily="34" charset="0"/>
+                <a:cs typeface="Segoe UI" panose="020B0502040204020203" pitchFamily="34" charset="0"/>
+              </a:rPr>
+              <a:t> M</a:t>
+            </a:r>
+            <a:endParaRPr lang="en-US" b="1" dirty="0">
+              <a:effectLst/>
               <a:latin typeface="Segoe UI" panose="020B0502040204020203" pitchFamily="34" charset="0"/>
-              <a:ea typeface="Verdana" panose="020B0604030504040204" pitchFamily="34" charset="0"/>
+              <a:ea typeface="Calibri" panose="020F0502020204030204" pitchFamily="34" charset="0"/>
               <a:cs typeface="Segoe UI" panose="020B0502040204020203" pitchFamily="34" charset="0"/>
             </a:endParaRPr>
+          </a:p>
+        </p:txBody>
+      </p:sp>
+      <p:pic>
+        <p:nvPicPr>
+          <p:cNvPr id="3" name="Picture 2"/>
+          <p:cNvPicPr>
+            <a:picLocks noChangeAspect="1"/>
+          </p:cNvPicPr>
+          <p:nvPr/>
+        </p:nvPicPr>
+        <p:blipFill>
+          <a:blip r:embed="rId3"/>
+          <a:stretch>
+            <a:fillRect/>
+          </a:stretch>
+        </p:blipFill>
+        <p:spPr>
+          <a:xfrm>
+            <a:off x="474386" y="1406411"/>
+            <a:ext cx="7830643" cy="5048955"/>
+          </a:xfrm>
+          <a:prstGeom prst="rect">
+            <a:avLst/>
+          </a:prstGeom>
+        </p:spPr>
+      </p:pic>
+      <p:sp>
+        <p:nvSpPr>
+          <p:cNvPr id="7" name="Rectangle 6"/>
+          <p:cNvSpPr/>
+          <p:nvPr/>
+        </p:nvSpPr>
+        <p:spPr>
+          <a:xfrm>
+            <a:off x="1531687" y="1587407"/>
+            <a:ext cx="785251" cy="262020"/>
+          </a:xfrm>
+          <a:prstGeom prst="rect">
+            <a:avLst/>
+          </a:prstGeom>
+          <a:solidFill>
+            <a:srgbClr val="FF0000">
+              <a:alpha val="19000"/>
+            </a:srgbClr>
+          </a:solidFill>
+          <a:ln>
+            <a:noFill/>
+          </a:ln>
+        </p:spPr>
+        <p:style>
+          <a:lnRef idx="2">
+            <a:schemeClr val="accent1">
+              <a:shade val="50000"/>
+            </a:schemeClr>
+          </a:lnRef>
+          <a:fillRef idx="1">
+            <a:schemeClr val="accent1"/>
+          </a:fillRef>
+          <a:effectRef idx="0">
+            <a:schemeClr val="accent1"/>
+          </a:effectRef>
+          <a:fontRef idx="minor">
+            <a:schemeClr val="lt1"/>
+          </a:fontRef>
+        </p:style>
+        <p:txBody>
+          <a:bodyPr rtlCol="0" anchor="ctr"/>
+          <a:lstStyle/>
+          <a:p>
+            <a:pPr algn="ctr"/>
+            <a:endParaRPr lang="en-US"/>
+          </a:p>
+        </p:txBody>
+      </p:sp>
+      <p:sp>
+        <p:nvSpPr>
+          <p:cNvPr id="8" name="Rectangle 7"/>
+          <p:cNvSpPr/>
+          <p:nvPr/>
+        </p:nvSpPr>
+        <p:spPr>
+          <a:xfrm>
+            <a:off x="3739769" y="2289822"/>
+            <a:ext cx="928484" cy="233372"/>
+          </a:xfrm>
+          <a:prstGeom prst="rect">
+            <a:avLst/>
+          </a:prstGeom>
+          <a:solidFill>
+            <a:srgbClr val="FF0000">
+              <a:alpha val="19000"/>
+            </a:srgbClr>
+          </a:solidFill>
+          <a:ln>
+            <a:noFill/>
+          </a:ln>
+        </p:spPr>
+        <p:style>
+          <a:lnRef idx="2">
+            <a:schemeClr val="accent1">
+              <a:shade val="50000"/>
+            </a:schemeClr>
+          </a:lnRef>
+          <a:fillRef idx="1">
+            <a:schemeClr val="accent1"/>
+          </a:fillRef>
+          <a:effectRef idx="0">
+            <a:schemeClr val="accent1"/>
+          </a:effectRef>
+          <a:fontRef idx="minor">
+            <a:schemeClr val="lt1"/>
+          </a:fontRef>
+        </p:style>
+        <p:txBody>
+          <a:bodyPr rtlCol="0" anchor="ctr"/>
+          <a:lstStyle/>
+          <a:p>
+            <a:pPr algn="ctr"/>
+            <a:endParaRPr lang="en-US"/>
           </a:p>
         </p:txBody>
       </p:sp>
     </p:spTree>
     <p:extLst>
       <p:ext uri="{BB962C8B-B14F-4D97-AF65-F5344CB8AC3E}">
-        <p14:creationId xmlns:p14="http://schemas.microsoft.com/office/powerpoint/2010/main" val="3494127604"/>
+        <p14:creationId xmlns:p14="http://schemas.microsoft.com/office/powerpoint/2010/main" val="3633211704"/>
+      </p:ext>
+    </p:extLst>
+  </p:cSld>
+  <p:clrMapOvr>
+    <a:masterClrMapping/>
+  </p:clrMapOvr>
+</p:sld>
+</file>
+
+<file path=ppt/slides/slide7.xml><?xml version="1.0" encoding="utf-8"?>
+<p:sld xmlns:a="http://schemas.openxmlformats.org/drawingml/2006/main" xmlns:r="http://schemas.openxmlformats.org/officeDocument/2006/relationships" xmlns:p="http://schemas.openxmlformats.org/presentationml/2006/main">
+  <p:cSld>
+    <p:spTree>
+      <p:nvGrpSpPr>
+        <p:cNvPr id="1" name=""/>
+        <p:cNvGrpSpPr/>
+        <p:nvPr/>
+      </p:nvGrpSpPr>
+      <p:grpSpPr>
+        <a:xfrm>
+          <a:off x="0" y="0"/>
+          <a:ext cx="0" cy="0"/>
+          <a:chOff x="0" y="0"/>
+          <a:chExt cx="0" cy="0"/>
+        </a:xfrm>
+      </p:grpSpPr>
+      <p:sp>
+        <p:nvSpPr>
+          <p:cNvPr id="2" name="TextBox 1"/>
+          <p:cNvSpPr txBox="1"/>
+          <p:nvPr/>
+        </p:nvSpPr>
+        <p:spPr>
+          <a:xfrm>
+            <a:off x="371259" y="268133"/>
+            <a:ext cx="920317" cy="523220"/>
+          </a:xfrm>
+          <a:prstGeom prst="rect">
+            <a:avLst/>
+          </a:prstGeom>
+          <a:noFill/>
+        </p:spPr>
+        <p:txBody>
+          <a:bodyPr wrap="none" rtlCol="0">
+            <a:spAutoFit/>
+          </a:bodyPr>
+          <a:lstStyle/>
+          <a:p>
+            <a:r>
+              <a:rPr lang="fr-FR" sz="2800" dirty="0" smtClean="0"/>
+              <a:t>Pivot</a:t>
+            </a:r>
+            <a:endParaRPr lang="en-US" sz="2800" dirty="0"/>
+          </a:p>
+        </p:txBody>
+      </p:sp>
+      <p:sp>
+        <p:nvSpPr>
+          <p:cNvPr id="4" name="Rectangle 3"/>
+          <p:cNvSpPr/>
+          <p:nvPr/>
+        </p:nvSpPr>
+        <p:spPr>
+          <a:xfrm>
+            <a:off x="371259" y="865785"/>
+            <a:ext cx="11144681" cy="366895"/>
+          </a:xfrm>
+          <a:prstGeom prst="rect">
+            <a:avLst/>
+          </a:prstGeom>
+        </p:spPr>
+        <p:txBody>
+          <a:bodyPr wrap="square">
+            <a:spAutoFit/>
+          </a:bodyPr>
+          <a:lstStyle/>
+          <a:p>
+            <a:pPr lvl="0">
+              <a:lnSpc>
+                <a:spcPct val="107000"/>
+              </a:lnSpc>
+              <a:spcAft>
+                <a:spcPts val="800"/>
+              </a:spcAft>
+            </a:pPr>
+            <a:r>
+              <a:rPr lang="fr-FR" dirty="0" smtClean="0">
+                <a:latin typeface="Segoe UI" panose="020B0502040204020203" pitchFamily="34" charset="0"/>
+                <a:ea typeface="Calibri" panose="020F0502020204030204" pitchFamily="34" charset="0"/>
+                <a:cs typeface="Segoe UI" panose="020B0502040204020203" pitchFamily="34" charset="0"/>
+              </a:rPr>
+              <a:t>Sélectionnez la colonne </a:t>
+            </a:r>
+            <a:r>
+              <a:rPr lang="fr-FR" b="1" dirty="0" err="1" smtClean="0">
+                <a:latin typeface="Segoe UI" panose="020B0502040204020203" pitchFamily="34" charset="0"/>
+                <a:ea typeface="Calibri" panose="020F0502020204030204" pitchFamily="34" charset="0"/>
+                <a:cs typeface="Segoe UI" panose="020B0502040204020203" pitchFamily="34" charset="0"/>
+              </a:rPr>
+              <a:t>attribute</a:t>
+            </a:r>
+            <a:endParaRPr lang="en-US" b="1" dirty="0">
+              <a:effectLst/>
+              <a:latin typeface="Segoe UI" panose="020B0502040204020203" pitchFamily="34" charset="0"/>
+              <a:ea typeface="Calibri" panose="020F0502020204030204" pitchFamily="34" charset="0"/>
+              <a:cs typeface="Segoe UI" panose="020B0502040204020203" pitchFamily="34" charset="0"/>
+            </a:endParaRPr>
+          </a:p>
+        </p:txBody>
+      </p:sp>
+      <p:pic>
+        <p:nvPicPr>
+          <p:cNvPr id="5" name="Picture 4"/>
+          <p:cNvPicPr>
+            <a:picLocks noChangeAspect="1"/>
+          </p:cNvPicPr>
+          <p:nvPr/>
+        </p:nvPicPr>
+        <p:blipFill>
+          <a:blip r:embed="rId3"/>
+          <a:stretch>
+            <a:fillRect/>
+          </a:stretch>
+        </p:blipFill>
+        <p:spPr>
+          <a:xfrm>
+            <a:off x="490950" y="1401104"/>
+            <a:ext cx="7690524" cy="4353774"/>
+          </a:xfrm>
+          <a:prstGeom prst="rect">
+            <a:avLst/>
+          </a:prstGeom>
+        </p:spPr>
+      </p:pic>
+    </p:spTree>
+    <p:extLst>
+      <p:ext uri="{BB962C8B-B14F-4D97-AF65-F5344CB8AC3E}">
+        <p14:creationId xmlns:p14="http://schemas.microsoft.com/office/powerpoint/2010/main" val="3332597920"/>
+      </p:ext>
+    </p:extLst>
+  </p:cSld>
+  <p:clrMapOvr>
+    <a:masterClrMapping/>
+  </p:clrMapOvr>
+</p:sld>
+</file>
+
+<file path=ppt/slides/slide8.xml><?xml version="1.0" encoding="utf-8"?>
+<p:sld xmlns:a="http://schemas.openxmlformats.org/drawingml/2006/main" xmlns:r="http://schemas.openxmlformats.org/officeDocument/2006/relationships" xmlns:p="http://schemas.openxmlformats.org/presentationml/2006/main">
+  <p:cSld>
+    <p:spTree>
+      <p:nvGrpSpPr>
+        <p:cNvPr id="1" name=""/>
+        <p:cNvGrpSpPr/>
+        <p:nvPr/>
+      </p:nvGrpSpPr>
+      <p:grpSpPr>
+        <a:xfrm>
+          <a:off x="0" y="0"/>
+          <a:ext cx="0" cy="0"/>
+          <a:chOff x="0" y="0"/>
+          <a:chExt cx="0" cy="0"/>
+        </a:xfrm>
+      </p:grpSpPr>
+      <p:sp>
+        <p:nvSpPr>
+          <p:cNvPr id="2" name="TextBox 1"/>
+          <p:cNvSpPr txBox="1"/>
+          <p:nvPr/>
+        </p:nvSpPr>
+        <p:spPr>
+          <a:xfrm>
+            <a:off x="371259" y="268133"/>
+            <a:ext cx="920317" cy="523220"/>
+          </a:xfrm>
+          <a:prstGeom prst="rect">
+            <a:avLst/>
+          </a:prstGeom>
+          <a:noFill/>
+        </p:spPr>
+        <p:txBody>
+          <a:bodyPr wrap="none" rtlCol="0">
+            <a:spAutoFit/>
+          </a:bodyPr>
+          <a:lstStyle/>
+          <a:p>
+            <a:r>
+              <a:rPr lang="fr-FR" sz="2800" dirty="0" smtClean="0"/>
+              <a:t>Pivot</a:t>
+            </a:r>
+            <a:endParaRPr lang="en-US" sz="2800" dirty="0"/>
+          </a:p>
+        </p:txBody>
+      </p:sp>
+      <p:sp>
+        <p:nvSpPr>
+          <p:cNvPr id="4" name="Rectangle 3"/>
+          <p:cNvSpPr/>
+          <p:nvPr/>
+        </p:nvSpPr>
+        <p:spPr>
+          <a:xfrm>
+            <a:off x="371259" y="865785"/>
+            <a:ext cx="11144681" cy="366895"/>
+          </a:xfrm>
+          <a:prstGeom prst="rect">
+            <a:avLst/>
+          </a:prstGeom>
+        </p:spPr>
+        <p:txBody>
+          <a:bodyPr wrap="square">
+            <a:spAutoFit/>
+          </a:bodyPr>
+          <a:lstStyle/>
+          <a:p>
+            <a:pPr lvl="0">
+              <a:lnSpc>
+                <a:spcPct val="107000"/>
+              </a:lnSpc>
+              <a:spcAft>
+                <a:spcPts val="800"/>
+              </a:spcAft>
+            </a:pPr>
+            <a:r>
+              <a:rPr lang="fr-FR" dirty="0" smtClean="0">
+                <a:latin typeface="Segoe UI" panose="020B0502040204020203" pitchFamily="34" charset="0"/>
+                <a:ea typeface="Calibri" panose="020F0502020204030204" pitchFamily="34" charset="0"/>
+                <a:cs typeface="Segoe UI" panose="020B0502040204020203" pitchFamily="34" charset="0"/>
+              </a:rPr>
+              <a:t>Sélectionnez </a:t>
+            </a:r>
+            <a:r>
+              <a:rPr lang="fr-FR" b="1" dirty="0" smtClean="0">
+                <a:latin typeface="Segoe UI" panose="020B0502040204020203" pitchFamily="34" charset="0"/>
+                <a:ea typeface="Calibri" panose="020F0502020204030204" pitchFamily="34" charset="0"/>
+                <a:cs typeface="Segoe UI" panose="020B0502040204020203" pitchFamily="34" charset="0"/>
+              </a:rPr>
+              <a:t>Pivot </a:t>
+            </a:r>
+            <a:r>
+              <a:rPr lang="fr-FR" b="1" dirty="0" err="1" smtClean="0">
+                <a:latin typeface="Segoe UI" panose="020B0502040204020203" pitchFamily="34" charset="0"/>
+                <a:ea typeface="Calibri" panose="020F0502020204030204" pitchFamily="34" charset="0"/>
+                <a:cs typeface="Segoe UI" panose="020B0502040204020203" pitchFamily="34" charset="0"/>
+              </a:rPr>
+              <a:t>Column</a:t>
+            </a:r>
+            <a:r>
+              <a:rPr lang="fr-FR" dirty="0" smtClean="0">
+                <a:latin typeface="Segoe UI" panose="020B0502040204020203" pitchFamily="34" charset="0"/>
+                <a:ea typeface="Calibri" panose="020F0502020204030204" pitchFamily="34" charset="0"/>
+                <a:cs typeface="Segoe UI" panose="020B0502040204020203" pitchFamily="34" charset="0"/>
+              </a:rPr>
+              <a:t> dans le menu </a:t>
+            </a:r>
+            <a:r>
+              <a:rPr lang="fr-FR" b="1" dirty="0" err="1" smtClean="0">
+                <a:latin typeface="Segoe UI" panose="020B0502040204020203" pitchFamily="34" charset="0"/>
+                <a:ea typeface="Calibri" panose="020F0502020204030204" pitchFamily="34" charset="0"/>
+                <a:cs typeface="Segoe UI" panose="020B0502040204020203" pitchFamily="34" charset="0"/>
+              </a:rPr>
+              <a:t>Transform</a:t>
+            </a:r>
+            <a:r>
+              <a:rPr lang="fr-FR" dirty="0" smtClean="0">
+                <a:latin typeface="Segoe UI" panose="020B0502040204020203" pitchFamily="34" charset="0"/>
+                <a:ea typeface="Calibri" panose="020F0502020204030204" pitchFamily="34" charset="0"/>
+                <a:cs typeface="Segoe UI" panose="020B0502040204020203" pitchFamily="34" charset="0"/>
+              </a:rPr>
+              <a:t> </a:t>
+            </a:r>
+            <a:endParaRPr lang="en-US" b="1" dirty="0">
+              <a:effectLst/>
+              <a:latin typeface="Segoe UI" panose="020B0502040204020203" pitchFamily="34" charset="0"/>
+              <a:ea typeface="Calibri" panose="020F0502020204030204" pitchFamily="34" charset="0"/>
+              <a:cs typeface="Segoe UI" panose="020B0502040204020203" pitchFamily="34" charset="0"/>
+            </a:endParaRPr>
+          </a:p>
+        </p:txBody>
+      </p:sp>
+      <p:pic>
+        <p:nvPicPr>
+          <p:cNvPr id="3" name="Picture 2"/>
+          <p:cNvPicPr>
+            <a:picLocks noChangeAspect="1"/>
+          </p:cNvPicPr>
+          <p:nvPr/>
+        </p:nvPicPr>
+        <p:blipFill>
+          <a:blip r:embed="rId3"/>
+          <a:stretch>
+            <a:fillRect/>
+          </a:stretch>
+        </p:blipFill>
+        <p:spPr>
+          <a:xfrm>
+            <a:off x="441256" y="1307112"/>
+            <a:ext cx="7830643" cy="5048955"/>
+          </a:xfrm>
+          <a:prstGeom prst="rect">
+            <a:avLst/>
+          </a:prstGeom>
+        </p:spPr>
+      </p:pic>
+      <p:sp>
+        <p:nvSpPr>
+          <p:cNvPr id="6" name="Rectangle 5"/>
+          <p:cNvSpPr/>
+          <p:nvPr/>
+        </p:nvSpPr>
+        <p:spPr>
+          <a:xfrm>
+            <a:off x="1435434" y="1587406"/>
+            <a:ext cx="792127" cy="213893"/>
+          </a:xfrm>
+          <a:prstGeom prst="rect">
+            <a:avLst/>
+          </a:prstGeom>
+          <a:solidFill>
+            <a:srgbClr val="FF0000">
+              <a:alpha val="19000"/>
+            </a:srgbClr>
+          </a:solidFill>
+          <a:ln>
+            <a:noFill/>
+          </a:ln>
+        </p:spPr>
+        <p:style>
+          <a:lnRef idx="2">
+            <a:schemeClr val="accent1">
+              <a:shade val="50000"/>
+            </a:schemeClr>
+          </a:lnRef>
+          <a:fillRef idx="1">
+            <a:schemeClr val="accent1"/>
+          </a:fillRef>
+          <a:effectRef idx="0">
+            <a:schemeClr val="accent1"/>
+          </a:effectRef>
+          <a:fontRef idx="minor">
+            <a:schemeClr val="lt1"/>
+          </a:fontRef>
+        </p:style>
+        <p:txBody>
+          <a:bodyPr rtlCol="0" anchor="ctr"/>
+          <a:lstStyle/>
+          <a:p>
+            <a:pPr algn="ctr"/>
+            <a:endParaRPr lang="en-US"/>
+          </a:p>
+        </p:txBody>
+      </p:sp>
+      <p:sp>
+        <p:nvSpPr>
+          <p:cNvPr id="7" name="Rectangle 6"/>
+          <p:cNvSpPr/>
+          <p:nvPr/>
+        </p:nvSpPr>
+        <p:spPr>
+          <a:xfrm>
+            <a:off x="3629765" y="2262320"/>
+            <a:ext cx="859733" cy="233373"/>
+          </a:xfrm>
+          <a:prstGeom prst="rect">
+            <a:avLst/>
+          </a:prstGeom>
+          <a:solidFill>
+            <a:srgbClr val="FF0000">
+              <a:alpha val="19000"/>
+            </a:srgbClr>
+          </a:solidFill>
+          <a:ln>
+            <a:noFill/>
+          </a:ln>
+        </p:spPr>
+        <p:style>
+          <a:lnRef idx="2">
+            <a:schemeClr val="accent1">
+              <a:shade val="50000"/>
+            </a:schemeClr>
+          </a:lnRef>
+          <a:fillRef idx="1">
+            <a:schemeClr val="accent1"/>
+          </a:fillRef>
+          <a:effectRef idx="0">
+            <a:schemeClr val="accent1"/>
+          </a:effectRef>
+          <a:fontRef idx="minor">
+            <a:schemeClr val="lt1"/>
+          </a:fontRef>
+        </p:style>
+        <p:txBody>
+          <a:bodyPr rtlCol="0" anchor="ctr"/>
+          <a:lstStyle/>
+          <a:p>
+            <a:pPr algn="ctr"/>
+            <a:endParaRPr lang="en-US"/>
+          </a:p>
+        </p:txBody>
+      </p:sp>
+    </p:spTree>
+    <p:extLst>
+      <p:ext uri="{BB962C8B-B14F-4D97-AF65-F5344CB8AC3E}">
+        <p14:creationId xmlns:p14="http://schemas.microsoft.com/office/powerpoint/2010/main" val="1151978345"/>
+      </p:ext>
+    </p:extLst>
+  </p:cSld>
+  <p:clrMapOvr>
+    <a:masterClrMapping/>
+  </p:clrMapOvr>
+</p:sld>
+</file>
+
+<file path=ppt/slides/slide9.xml><?xml version="1.0" encoding="utf-8"?>
+<p:sld xmlns:a="http://schemas.openxmlformats.org/drawingml/2006/main" xmlns:r="http://schemas.openxmlformats.org/officeDocument/2006/relationships" xmlns:p="http://schemas.openxmlformats.org/presentationml/2006/main">
+  <p:cSld>
+    <p:spTree>
+      <p:nvGrpSpPr>
+        <p:cNvPr id="1" name=""/>
+        <p:cNvGrpSpPr/>
+        <p:nvPr/>
+      </p:nvGrpSpPr>
+      <p:grpSpPr>
+        <a:xfrm>
+          <a:off x="0" y="0"/>
+          <a:ext cx="0" cy="0"/>
+          <a:chOff x="0" y="0"/>
+          <a:chExt cx="0" cy="0"/>
+        </a:xfrm>
+      </p:grpSpPr>
+      <p:pic>
+        <p:nvPicPr>
+          <p:cNvPr id="5" name="Picture 4"/>
+          <p:cNvPicPr>
+            <a:picLocks noChangeAspect="1"/>
+          </p:cNvPicPr>
+          <p:nvPr/>
+        </p:nvPicPr>
+        <p:blipFill>
+          <a:blip r:embed="rId3"/>
+          <a:stretch>
+            <a:fillRect/>
+          </a:stretch>
+        </p:blipFill>
+        <p:spPr>
+          <a:xfrm>
+            <a:off x="371259" y="1307112"/>
+            <a:ext cx="6601746" cy="2695951"/>
+          </a:xfrm>
+          <a:prstGeom prst="rect">
+            <a:avLst/>
+          </a:prstGeom>
+        </p:spPr>
+      </p:pic>
+      <p:sp>
+        <p:nvSpPr>
+          <p:cNvPr id="2" name="TextBox 1"/>
+          <p:cNvSpPr txBox="1"/>
+          <p:nvPr/>
+        </p:nvSpPr>
+        <p:spPr>
+          <a:xfrm>
+            <a:off x="371259" y="268133"/>
+            <a:ext cx="920317" cy="523220"/>
+          </a:xfrm>
+          <a:prstGeom prst="rect">
+            <a:avLst/>
+          </a:prstGeom>
+          <a:noFill/>
+        </p:spPr>
+        <p:txBody>
+          <a:bodyPr wrap="none" rtlCol="0">
+            <a:spAutoFit/>
+          </a:bodyPr>
+          <a:lstStyle/>
+          <a:p>
+            <a:r>
+              <a:rPr lang="fr-FR" sz="2800" dirty="0" smtClean="0"/>
+              <a:t>Pivot</a:t>
+            </a:r>
+            <a:endParaRPr lang="en-US" sz="2800" dirty="0"/>
+          </a:p>
+        </p:txBody>
+      </p:sp>
+      <p:sp>
+        <p:nvSpPr>
+          <p:cNvPr id="4" name="Rectangle 3"/>
+          <p:cNvSpPr/>
+          <p:nvPr/>
+        </p:nvSpPr>
+        <p:spPr>
+          <a:xfrm>
+            <a:off x="371259" y="865785"/>
+            <a:ext cx="11144681" cy="366895"/>
+          </a:xfrm>
+          <a:prstGeom prst="rect">
+            <a:avLst/>
+          </a:prstGeom>
+        </p:spPr>
+        <p:txBody>
+          <a:bodyPr wrap="square">
+            <a:spAutoFit/>
+          </a:bodyPr>
+          <a:lstStyle/>
+          <a:p>
+            <a:pPr lvl="0">
+              <a:lnSpc>
+                <a:spcPct val="107000"/>
+              </a:lnSpc>
+              <a:spcAft>
+                <a:spcPts val="800"/>
+              </a:spcAft>
+            </a:pPr>
+            <a:r>
+              <a:rPr lang="fr-FR" dirty="0" smtClean="0">
+                <a:latin typeface="Segoe UI" panose="020B0502040204020203" pitchFamily="34" charset="0"/>
+                <a:ea typeface="Calibri" panose="020F0502020204030204" pitchFamily="34" charset="0"/>
+                <a:cs typeface="Segoe UI" panose="020B0502040204020203" pitchFamily="34" charset="0"/>
+              </a:rPr>
+              <a:t>Sélectionnez Score dans la boîte de dialogue </a:t>
+            </a:r>
+            <a:endParaRPr lang="en-US" b="1" dirty="0">
+              <a:effectLst/>
+              <a:latin typeface="Segoe UI" panose="020B0502040204020203" pitchFamily="34" charset="0"/>
+              <a:ea typeface="Calibri" panose="020F0502020204030204" pitchFamily="34" charset="0"/>
+              <a:cs typeface="Segoe UI" panose="020B0502040204020203" pitchFamily="34" charset="0"/>
+            </a:endParaRPr>
+          </a:p>
+        </p:txBody>
+      </p:sp>
+      <p:sp>
+        <p:nvSpPr>
+          <p:cNvPr id="6" name="Rectangle 5"/>
+          <p:cNvSpPr/>
+          <p:nvPr/>
+        </p:nvSpPr>
+        <p:spPr>
+          <a:xfrm>
+            <a:off x="644453" y="2994373"/>
+            <a:ext cx="2215625" cy="207507"/>
+          </a:xfrm>
+          <a:prstGeom prst="rect">
+            <a:avLst/>
+          </a:prstGeom>
+          <a:solidFill>
+            <a:srgbClr val="FF0000">
+              <a:alpha val="19000"/>
+            </a:srgbClr>
+          </a:solidFill>
+          <a:ln>
+            <a:noFill/>
+          </a:ln>
+        </p:spPr>
+        <p:style>
+          <a:lnRef idx="2">
+            <a:schemeClr val="accent1">
+              <a:shade val="50000"/>
+            </a:schemeClr>
+          </a:lnRef>
+          <a:fillRef idx="1">
+            <a:schemeClr val="accent1"/>
+          </a:fillRef>
+          <a:effectRef idx="0">
+            <a:schemeClr val="accent1"/>
+          </a:effectRef>
+          <a:fontRef idx="minor">
+            <a:schemeClr val="lt1"/>
+          </a:fontRef>
+        </p:style>
+        <p:txBody>
+          <a:bodyPr rtlCol="0" anchor="ctr"/>
+          <a:lstStyle/>
+          <a:p>
+            <a:pPr algn="ctr"/>
+            <a:endParaRPr lang="en-US"/>
+          </a:p>
+        </p:txBody>
+      </p:sp>
+    </p:spTree>
+    <p:extLst>
+      <p:ext uri="{BB962C8B-B14F-4D97-AF65-F5344CB8AC3E}">
+        <p14:creationId xmlns:p14="http://schemas.microsoft.com/office/powerpoint/2010/main" val="2387186099"/>
       </p:ext>
     </p:extLst>
   </p:cSld>
